--- a/figures2.pptx
+++ b/figures2.pptx
@@ -123,6 +123,10 @@
 </p:presentation>
 </file>
 
+<file path=ppt/revisionInfo.xml><?xml version="1.0" encoding="utf-8"?>
+<p1510:revInfo xmlns:a="http://schemas.openxmlformats.org/drawingml/2006/main" xmlns:r="http://schemas.openxmlformats.org/officeDocument/2006/relationships" xmlns:p1510="http://schemas.microsoft.com/office/powerpoint/2015/10/main"/>
+</file>
+
 <file path=ppt/slideLayouts/slideLayout1.xml><?xml version="1.0" encoding="utf-8"?>
 <p:sldLayout xmlns:a="http://schemas.openxmlformats.org/drawingml/2006/main" xmlns:r="http://schemas.openxmlformats.org/officeDocument/2006/relationships" xmlns:p="http://schemas.openxmlformats.org/presentationml/2006/main" type="title" preserve="1">
   <p:cSld name="Title Slide">
@@ -272,7 +276,7 @@
           <a:p>
             <a:fld id="{16314FED-1C66-4650-9F9E-F9203F4E4D23}" type="datetimeFigureOut">
               <a:rPr lang="en-ZA" smtClean="0"/>
-              <a:t>2017/10/06</a:t>
+              <a:t>2017/10/16</a:t>
             </a:fld>
             <a:endParaRPr lang="en-ZA"/>
           </a:p>
@@ -472,7 +476,7 @@
           <a:p>
             <a:fld id="{16314FED-1C66-4650-9F9E-F9203F4E4D23}" type="datetimeFigureOut">
               <a:rPr lang="en-ZA" smtClean="0"/>
-              <a:t>2017/10/06</a:t>
+              <a:t>2017/10/16</a:t>
             </a:fld>
             <a:endParaRPr lang="en-ZA"/>
           </a:p>
@@ -682,7 +686,7 @@
           <a:p>
             <a:fld id="{16314FED-1C66-4650-9F9E-F9203F4E4D23}" type="datetimeFigureOut">
               <a:rPr lang="en-ZA" smtClean="0"/>
-              <a:t>2017/10/06</a:t>
+              <a:t>2017/10/16</a:t>
             </a:fld>
             <a:endParaRPr lang="en-ZA"/>
           </a:p>
@@ -882,7 +886,7 @@
           <a:p>
             <a:fld id="{16314FED-1C66-4650-9F9E-F9203F4E4D23}" type="datetimeFigureOut">
               <a:rPr lang="en-ZA" smtClean="0"/>
-              <a:t>2017/10/06</a:t>
+              <a:t>2017/10/16</a:t>
             </a:fld>
             <a:endParaRPr lang="en-ZA"/>
           </a:p>
@@ -1158,7 +1162,7 @@
           <a:p>
             <a:fld id="{16314FED-1C66-4650-9F9E-F9203F4E4D23}" type="datetimeFigureOut">
               <a:rPr lang="en-ZA" smtClean="0"/>
-              <a:t>2017/10/06</a:t>
+              <a:t>2017/10/16</a:t>
             </a:fld>
             <a:endParaRPr lang="en-ZA"/>
           </a:p>
@@ -1426,7 +1430,7 @@
           <a:p>
             <a:fld id="{16314FED-1C66-4650-9F9E-F9203F4E4D23}" type="datetimeFigureOut">
               <a:rPr lang="en-ZA" smtClean="0"/>
-              <a:t>2017/10/06</a:t>
+              <a:t>2017/10/16</a:t>
             </a:fld>
             <a:endParaRPr lang="en-ZA"/>
           </a:p>
@@ -1841,7 +1845,7 @@
           <a:p>
             <a:fld id="{16314FED-1C66-4650-9F9E-F9203F4E4D23}" type="datetimeFigureOut">
               <a:rPr lang="en-ZA" smtClean="0"/>
-              <a:t>2017/10/06</a:t>
+              <a:t>2017/10/16</a:t>
             </a:fld>
             <a:endParaRPr lang="en-ZA"/>
           </a:p>
@@ -1983,7 +1987,7 @@
           <a:p>
             <a:fld id="{16314FED-1C66-4650-9F9E-F9203F4E4D23}" type="datetimeFigureOut">
               <a:rPr lang="en-ZA" smtClean="0"/>
-              <a:t>2017/10/06</a:t>
+              <a:t>2017/10/16</a:t>
             </a:fld>
             <a:endParaRPr lang="en-ZA"/>
           </a:p>
@@ -2096,7 +2100,7 @@
           <a:p>
             <a:fld id="{16314FED-1C66-4650-9F9E-F9203F4E4D23}" type="datetimeFigureOut">
               <a:rPr lang="en-ZA" smtClean="0"/>
-              <a:t>2017/10/06</a:t>
+              <a:t>2017/10/16</a:t>
             </a:fld>
             <a:endParaRPr lang="en-ZA"/>
           </a:p>
@@ -2409,7 +2413,7 @@
           <a:p>
             <a:fld id="{16314FED-1C66-4650-9F9E-F9203F4E4D23}" type="datetimeFigureOut">
               <a:rPr lang="en-ZA" smtClean="0"/>
-              <a:t>2017/10/06</a:t>
+              <a:t>2017/10/16</a:t>
             </a:fld>
             <a:endParaRPr lang="en-ZA"/>
           </a:p>
@@ -2698,7 +2702,7 @@
           <a:p>
             <a:fld id="{16314FED-1C66-4650-9F9E-F9203F4E4D23}" type="datetimeFigureOut">
               <a:rPr lang="en-ZA" smtClean="0"/>
-              <a:t>2017/10/06</a:t>
+              <a:t>2017/10/16</a:t>
             </a:fld>
             <a:endParaRPr lang="en-ZA"/>
           </a:p>
@@ -2941,7 +2945,7 @@
           <a:p>
             <a:fld id="{16314FED-1C66-4650-9F9E-F9203F4E4D23}" type="datetimeFigureOut">
               <a:rPr lang="en-ZA" smtClean="0"/>
-              <a:t>2017/10/06</a:t>
+              <a:t>2017/10/16</a:t>
             </a:fld>
             <a:endParaRPr lang="en-ZA"/>
           </a:p>
@@ -3430,1171 +3434,6 @@
           </a:prstGeom>
         </p:spPr>
       </p:pic>
-      <p:grpSp>
-        <p:nvGrpSpPr>
-          <p:cNvPr id="38" name="Group 37">
-            <a:extLst>
-              <a:ext uri="{FF2B5EF4-FFF2-40B4-BE49-F238E27FC236}">
-                <a16:creationId xmlns:a16="http://schemas.microsoft.com/office/drawing/2014/main" id="{16FD08D5-AD25-4816-8007-B72D579530ED}"/>
-              </a:ext>
-            </a:extLst>
-          </p:cNvPr>
-          <p:cNvGrpSpPr/>
-          <p:nvPr/>
-        </p:nvGrpSpPr>
-        <p:grpSpPr>
-          <a:xfrm>
-            <a:off x="1294278" y="676563"/>
-            <a:ext cx="3747868" cy="2331680"/>
-            <a:chOff x="1294278" y="676563"/>
-            <a:chExt cx="3747868" cy="2331680"/>
-          </a:xfrm>
-        </p:grpSpPr>
-        <p:sp>
-          <p:nvSpPr>
-            <p:cNvPr id="32" name="Rectangle 31">
-              <a:extLst>
-                <a:ext uri="{FF2B5EF4-FFF2-40B4-BE49-F238E27FC236}">
-                  <a16:creationId xmlns:a16="http://schemas.microsoft.com/office/drawing/2014/main" id="{9E5C08E2-A74E-4B4F-BD50-DA982408AD32}"/>
-                </a:ext>
-              </a:extLst>
-            </p:cNvPr>
-            <p:cNvSpPr/>
-            <p:nvPr/>
-          </p:nvSpPr>
-          <p:spPr>
-            <a:xfrm>
-              <a:off x="3430653" y="2007295"/>
-              <a:ext cx="291548" cy="306962"/>
-            </a:xfrm>
-            <a:prstGeom prst="rect">
-              <a:avLst/>
-            </a:prstGeom>
-          </p:spPr>
-          <p:style>
-            <a:lnRef idx="2">
-              <a:schemeClr val="dk1"/>
-            </a:lnRef>
-            <a:fillRef idx="1">
-              <a:schemeClr val="lt1"/>
-            </a:fillRef>
-            <a:effectRef idx="0">
-              <a:schemeClr val="dk1"/>
-            </a:effectRef>
-            <a:fontRef idx="minor">
-              <a:schemeClr val="dk1"/>
-            </a:fontRef>
-          </p:style>
-          <p:txBody>
-            <a:bodyPr rtlCol="0" anchor="ctr"/>
-            <a:lstStyle/>
-            <a:p>
-              <a:pPr algn="ctr"/>
-              <a:endParaRPr lang="en-ZA"/>
-            </a:p>
-          </p:txBody>
-        </p:sp>
-        <p:cxnSp>
-          <p:nvCxnSpPr>
-            <p:cNvPr id="7" name="Straight Arrow Connector 6">
-              <a:extLst>
-                <a:ext uri="{FF2B5EF4-FFF2-40B4-BE49-F238E27FC236}">
-                  <a16:creationId xmlns:a16="http://schemas.microsoft.com/office/drawing/2014/main" id="{379B4555-A6CA-4FFD-9A3F-FC9D62BF6218}"/>
-                </a:ext>
-              </a:extLst>
-            </p:cNvPr>
-            <p:cNvCxnSpPr/>
-            <p:nvPr/>
-          </p:nvCxnSpPr>
-          <p:spPr>
-            <a:xfrm>
-              <a:off x="2279374" y="1616765"/>
-              <a:ext cx="0" cy="1391478"/>
-            </a:xfrm>
-            <a:prstGeom prst="straightConnector1">
-              <a:avLst/>
-            </a:prstGeom>
-            <a:ln>
-              <a:tailEnd type="triangle"/>
-            </a:ln>
-          </p:spPr>
-          <p:style>
-            <a:lnRef idx="1">
-              <a:schemeClr val="dk1"/>
-            </a:lnRef>
-            <a:fillRef idx="0">
-              <a:schemeClr val="dk1"/>
-            </a:fillRef>
-            <a:effectRef idx="0">
-              <a:schemeClr val="dk1"/>
-            </a:effectRef>
-            <a:fontRef idx="minor">
-              <a:schemeClr val="tx1"/>
-            </a:fontRef>
-          </p:style>
-        </p:cxnSp>
-        <p:cxnSp>
-          <p:nvCxnSpPr>
-            <p:cNvPr id="11" name="Straight Arrow Connector 10">
-              <a:extLst>
-                <a:ext uri="{FF2B5EF4-FFF2-40B4-BE49-F238E27FC236}">
-                  <a16:creationId xmlns:a16="http://schemas.microsoft.com/office/drawing/2014/main" id="{AB249327-8937-4137-9307-9D21398309A4}"/>
-                </a:ext>
-              </a:extLst>
-            </p:cNvPr>
-            <p:cNvCxnSpPr>
-              <a:cxnSpLocks/>
-            </p:cNvCxnSpPr>
-            <p:nvPr/>
-          </p:nvCxnSpPr>
-          <p:spPr>
-            <a:xfrm flipV="1">
-              <a:off x="2279374" y="848139"/>
-              <a:ext cx="967409" cy="768627"/>
-            </a:xfrm>
-            <a:prstGeom prst="straightConnector1">
-              <a:avLst/>
-            </a:prstGeom>
-            <a:ln>
-              <a:tailEnd type="triangle"/>
-            </a:ln>
-          </p:spPr>
-          <p:style>
-            <a:lnRef idx="1">
-              <a:schemeClr val="dk1"/>
-            </a:lnRef>
-            <a:fillRef idx="0">
-              <a:schemeClr val="dk1"/>
-            </a:fillRef>
-            <a:effectRef idx="0">
-              <a:schemeClr val="dk1"/>
-            </a:effectRef>
-            <a:fontRef idx="minor">
-              <a:schemeClr val="tx1"/>
-            </a:fontRef>
-          </p:style>
-        </p:cxnSp>
-        <p:sp>
-          <p:nvSpPr>
-            <p:cNvPr id="15" name="TextBox 14">
-              <a:extLst>
-                <a:ext uri="{FF2B5EF4-FFF2-40B4-BE49-F238E27FC236}">
-                  <a16:creationId xmlns:a16="http://schemas.microsoft.com/office/drawing/2014/main" id="{3809C062-F38B-4BFF-B872-C9F1AB6E296E}"/>
-                </a:ext>
-              </a:extLst>
-            </p:cNvPr>
-            <p:cNvSpPr txBox="1"/>
-            <p:nvPr/>
-          </p:nvSpPr>
-          <p:spPr>
-            <a:xfrm>
-              <a:off x="1484244" y="2077615"/>
-              <a:ext cx="1007165" cy="307777"/>
-            </a:xfrm>
-            <a:prstGeom prst="rect">
-              <a:avLst/>
-            </a:prstGeom>
-            <a:noFill/>
-          </p:spPr>
-          <p:txBody>
-            <a:bodyPr wrap="square" rtlCol="0">
-              <a:spAutoFit/>
-            </a:bodyPr>
-            <a:lstStyle/>
-            <a:p>
-              <a:r>
-                <a:rPr lang="en-ZA" sz="1400" dirty="0"/>
-                <a:t>Product</a:t>
-              </a:r>
-            </a:p>
-          </p:txBody>
-        </p:sp>
-        <p:sp>
-          <p:nvSpPr>
-            <p:cNvPr id="16" name="TextBox 15">
-              <a:extLst>
-                <a:ext uri="{FF2B5EF4-FFF2-40B4-BE49-F238E27FC236}">
-                  <a16:creationId xmlns:a16="http://schemas.microsoft.com/office/drawing/2014/main" id="{9A944F3C-1834-4644-92FD-298032A61E81}"/>
-                </a:ext>
-              </a:extLst>
-            </p:cNvPr>
-            <p:cNvSpPr txBox="1"/>
-            <p:nvPr/>
-          </p:nvSpPr>
-          <p:spPr>
-            <a:xfrm>
-              <a:off x="3988905" y="1462876"/>
-              <a:ext cx="583096" cy="307777"/>
-            </a:xfrm>
-            <a:prstGeom prst="rect">
-              <a:avLst/>
-            </a:prstGeom>
-            <a:noFill/>
-          </p:spPr>
-          <p:txBody>
-            <a:bodyPr wrap="square" rtlCol="0">
-              <a:spAutoFit/>
-            </a:bodyPr>
-            <a:lstStyle/>
-            <a:p>
-              <a:r>
-                <a:rPr lang="en-ZA" sz="1400" dirty="0"/>
-                <a:t>Date</a:t>
-              </a:r>
-            </a:p>
-          </p:txBody>
-        </p:sp>
-        <p:sp>
-          <p:nvSpPr>
-            <p:cNvPr id="17" name="TextBox 16">
-              <a:extLst>
-                <a:ext uri="{FF2B5EF4-FFF2-40B4-BE49-F238E27FC236}">
-                  <a16:creationId xmlns:a16="http://schemas.microsoft.com/office/drawing/2014/main" id="{A6A085BC-7C35-4253-BEBF-ABFD1D6D065A}"/>
-                </a:ext>
-              </a:extLst>
-            </p:cNvPr>
-            <p:cNvSpPr txBox="1"/>
-            <p:nvPr/>
-          </p:nvSpPr>
-          <p:spPr>
-            <a:xfrm>
-              <a:off x="2058225" y="1119633"/>
-              <a:ext cx="1007165" cy="307777"/>
-            </a:xfrm>
-            <a:prstGeom prst="rect">
-              <a:avLst/>
-            </a:prstGeom>
-            <a:noFill/>
-          </p:spPr>
-          <p:txBody>
-            <a:bodyPr wrap="square" rtlCol="0">
-              <a:spAutoFit/>
-            </a:bodyPr>
-            <a:lstStyle/>
-            <a:p>
-              <a:r>
-                <a:rPr lang="en-ZA" sz="1400" dirty="0"/>
-                <a:t>Store</a:t>
-              </a:r>
-            </a:p>
-          </p:txBody>
-        </p:sp>
-        <p:sp>
-          <p:nvSpPr>
-            <p:cNvPr id="18" name="Rectangle 17">
-              <a:extLst>
-                <a:ext uri="{FF2B5EF4-FFF2-40B4-BE49-F238E27FC236}">
-                  <a16:creationId xmlns:a16="http://schemas.microsoft.com/office/drawing/2014/main" id="{254CF708-1A0D-4548-BF5D-3CAB1EE6DB9B}"/>
-                </a:ext>
-              </a:extLst>
-            </p:cNvPr>
-            <p:cNvSpPr/>
-            <p:nvPr/>
-          </p:nvSpPr>
-          <p:spPr>
-            <a:xfrm>
-              <a:off x="2955236" y="1147128"/>
-              <a:ext cx="291548" cy="306962"/>
-            </a:xfrm>
-            <a:prstGeom prst="rect">
-              <a:avLst/>
-            </a:prstGeom>
-          </p:spPr>
-          <p:style>
-            <a:lnRef idx="2">
-              <a:schemeClr val="dk1"/>
-            </a:lnRef>
-            <a:fillRef idx="1">
-              <a:schemeClr val="lt1"/>
-            </a:fillRef>
-            <a:effectRef idx="0">
-              <a:schemeClr val="dk1"/>
-            </a:effectRef>
-            <a:fontRef idx="minor">
-              <a:schemeClr val="dk1"/>
-            </a:fontRef>
-          </p:style>
-          <p:txBody>
-            <a:bodyPr rtlCol="0" anchor="ctr"/>
-            <a:lstStyle/>
-            <a:p>
-              <a:pPr algn="ctr"/>
-              <a:endParaRPr lang="en-ZA"/>
-            </a:p>
-          </p:txBody>
-        </p:sp>
-        <p:sp>
-          <p:nvSpPr>
-            <p:cNvPr id="19" name="Rectangle 18">
-              <a:extLst>
-                <a:ext uri="{FF2B5EF4-FFF2-40B4-BE49-F238E27FC236}">
-                  <a16:creationId xmlns:a16="http://schemas.microsoft.com/office/drawing/2014/main" id="{F1C9EA6C-0380-407B-95DB-233EED6CBE9D}"/>
-                </a:ext>
-              </a:extLst>
-            </p:cNvPr>
-            <p:cNvSpPr/>
-            <p:nvPr/>
-          </p:nvSpPr>
-          <p:spPr>
-            <a:xfrm>
-              <a:off x="2768047" y="1352129"/>
-              <a:ext cx="291548" cy="306962"/>
-            </a:xfrm>
-            <a:prstGeom prst="rect">
-              <a:avLst/>
-            </a:prstGeom>
-          </p:spPr>
-          <p:style>
-            <a:lnRef idx="2">
-              <a:schemeClr val="dk1"/>
-            </a:lnRef>
-            <a:fillRef idx="1">
-              <a:schemeClr val="lt1"/>
-            </a:fillRef>
-            <a:effectRef idx="0">
-              <a:schemeClr val="dk1"/>
-            </a:effectRef>
-            <a:fontRef idx="minor">
-              <a:schemeClr val="dk1"/>
-            </a:fontRef>
-          </p:style>
-          <p:txBody>
-            <a:bodyPr rtlCol="0" anchor="ctr"/>
-            <a:lstStyle/>
-            <a:p>
-              <a:pPr algn="ctr"/>
-              <a:endParaRPr lang="en-ZA"/>
-            </a:p>
-          </p:txBody>
-        </p:sp>
-        <p:sp>
-          <p:nvSpPr>
-            <p:cNvPr id="20" name="Rectangle 19">
-              <a:extLst>
-                <a:ext uri="{FF2B5EF4-FFF2-40B4-BE49-F238E27FC236}">
-                  <a16:creationId xmlns:a16="http://schemas.microsoft.com/office/drawing/2014/main" id="{533040CF-8A36-44B8-A6A8-262D24D06411}"/>
-                </a:ext>
-              </a:extLst>
-            </p:cNvPr>
-            <p:cNvSpPr/>
-            <p:nvPr/>
-          </p:nvSpPr>
-          <p:spPr>
-            <a:xfrm>
-              <a:off x="2577547" y="1557130"/>
-              <a:ext cx="291548" cy="306962"/>
-            </a:xfrm>
-            <a:prstGeom prst="rect">
-              <a:avLst/>
-            </a:prstGeom>
-          </p:spPr>
-          <p:style>
-            <a:lnRef idx="2">
-              <a:schemeClr val="dk1"/>
-            </a:lnRef>
-            <a:fillRef idx="1">
-              <a:schemeClr val="lt1"/>
-            </a:fillRef>
-            <a:effectRef idx="0">
-              <a:schemeClr val="dk1"/>
-            </a:effectRef>
-            <a:fontRef idx="minor">
-              <a:schemeClr val="dk1"/>
-            </a:fontRef>
-          </p:style>
-          <p:txBody>
-            <a:bodyPr rtlCol="0" anchor="ctr"/>
-            <a:lstStyle/>
-            <a:p>
-              <a:pPr algn="ctr"/>
-              <a:endParaRPr lang="en-ZA"/>
-            </a:p>
-          </p:txBody>
-        </p:sp>
-        <p:sp>
-          <p:nvSpPr>
-            <p:cNvPr id="21" name="Rectangle 20">
-              <a:extLst>
-                <a:ext uri="{FF2B5EF4-FFF2-40B4-BE49-F238E27FC236}">
-                  <a16:creationId xmlns:a16="http://schemas.microsoft.com/office/drawing/2014/main" id="{4FB7753D-9C32-4EC9-AE87-653195B72FBE}"/>
-                </a:ext>
-              </a:extLst>
-            </p:cNvPr>
-            <p:cNvSpPr/>
-            <p:nvPr/>
-          </p:nvSpPr>
-          <p:spPr>
-            <a:xfrm>
-              <a:off x="2392017" y="1761050"/>
-              <a:ext cx="291548" cy="306962"/>
-            </a:xfrm>
-            <a:prstGeom prst="rect">
-              <a:avLst/>
-            </a:prstGeom>
-          </p:spPr>
-          <p:style>
-            <a:lnRef idx="2">
-              <a:schemeClr val="dk1"/>
-            </a:lnRef>
-            <a:fillRef idx="1">
-              <a:schemeClr val="lt1"/>
-            </a:fillRef>
-            <a:effectRef idx="0">
-              <a:schemeClr val="dk1"/>
-            </a:effectRef>
-            <a:fontRef idx="minor">
-              <a:schemeClr val="dk1"/>
-            </a:fontRef>
-          </p:style>
-          <p:txBody>
-            <a:bodyPr rtlCol="0" anchor="ctr"/>
-            <a:lstStyle/>
-            <a:p>
-              <a:pPr algn="ctr"/>
-              <a:endParaRPr lang="en-ZA"/>
-            </a:p>
-          </p:txBody>
-        </p:sp>
-        <p:sp>
-          <p:nvSpPr>
-            <p:cNvPr id="22" name="Rectangle 21">
-              <a:extLst>
-                <a:ext uri="{FF2B5EF4-FFF2-40B4-BE49-F238E27FC236}">
-                  <a16:creationId xmlns:a16="http://schemas.microsoft.com/office/drawing/2014/main" id="{5C4A8742-81A0-42CD-928A-692AD1AF752F}"/>
-                </a:ext>
-              </a:extLst>
-            </p:cNvPr>
-            <p:cNvSpPr/>
-            <p:nvPr/>
-          </p:nvSpPr>
-          <p:spPr>
-            <a:xfrm>
-              <a:off x="3613701" y="1147128"/>
-              <a:ext cx="291548" cy="306962"/>
-            </a:xfrm>
-            <a:prstGeom prst="rect">
-              <a:avLst/>
-            </a:prstGeom>
-          </p:spPr>
-          <p:style>
-            <a:lnRef idx="1">
-              <a:schemeClr val="accent3"/>
-            </a:lnRef>
-            <a:fillRef idx="2">
-              <a:schemeClr val="accent3"/>
-            </a:fillRef>
-            <a:effectRef idx="1">
-              <a:schemeClr val="accent3"/>
-            </a:effectRef>
-            <a:fontRef idx="minor">
-              <a:schemeClr val="dk1"/>
-            </a:fontRef>
-          </p:style>
-          <p:txBody>
-            <a:bodyPr rtlCol="0" anchor="ctr"/>
-            <a:lstStyle/>
-            <a:p>
-              <a:pPr algn="ctr"/>
-              <a:endParaRPr lang="en-ZA"/>
-            </a:p>
-          </p:txBody>
-        </p:sp>
-        <p:sp>
-          <p:nvSpPr>
-            <p:cNvPr id="23" name="Rectangle 22">
-              <a:extLst>
-                <a:ext uri="{FF2B5EF4-FFF2-40B4-BE49-F238E27FC236}">
-                  <a16:creationId xmlns:a16="http://schemas.microsoft.com/office/drawing/2014/main" id="{F2721C39-0BC2-4222-9E49-6A66669B3F51}"/>
-                </a:ext>
-              </a:extLst>
-            </p:cNvPr>
-            <p:cNvSpPr/>
-            <p:nvPr/>
-          </p:nvSpPr>
-          <p:spPr>
-            <a:xfrm>
-              <a:off x="3426512" y="1352129"/>
-              <a:ext cx="291548" cy="306962"/>
-            </a:xfrm>
-            <a:prstGeom prst="rect">
-              <a:avLst/>
-            </a:prstGeom>
-          </p:spPr>
-          <p:style>
-            <a:lnRef idx="2">
-              <a:schemeClr val="dk1"/>
-            </a:lnRef>
-            <a:fillRef idx="1">
-              <a:schemeClr val="lt1"/>
-            </a:fillRef>
-            <a:effectRef idx="0">
-              <a:schemeClr val="dk1"/>
-            </a:effectRef>
-            <a:fontRef idx="minor">
-              <a:schemeClr val="dk1"/>
-            </a:fontRef>
-          </p:style>
-          <p:txBody>
-            <a:bodyPr rtlCol="0" anchor="ctr"/>
-            <a:lstStyle/>
-            <a:p>
-              <a:pPr algn="ctr"/>
-              <a:endParaRPr lang="en-ZA"/>
-            </a:p>
-          </p:txBody>
-        </p:sp>
-        <p:sp>
-          <p:nvSpPr>
-            <p:cNvPr id="24" name="Rectangle 23">
-              <a:extLst>
-                <a:ext uri="{FF2B5EF4-FFF2-40B4-BE49-F238E27FC236}">
-                  <a16:creationId xmlns:a16="http://schemas.microsoft.com/office/drawing/2014/main" id="{ACC86D77-D5C1-4726-ABEB-30C251A2A390}"/>
-                </a:ext>
-              </a:extLst>
-            </p:cNvPr>
-            <p:cNvSpPr/>
-            <p:nvPr/>
-          </p:nvSpPr>
-          <p:spPr>
-            <a:xfrm>
-              <a:off x="3236012" y="1557130"/>
-              <a:ext cx="291548" cy="306962"/>
-            </a:xfrm>
-            <a:prstGeom prst="rect">
-              <a:avLst/>
-            </a:prstGeom>
-          </p:spPr>
-          <p:style>
-            <a:lnRef idx="2">
-              <a:schemeClr val="dk1"/>
-            </a:lnRef>
-            <a:fillRef idx="1">
-              <a:schemeClr val="lt1"/>
-            </a:fillRef>
-            <a:effectRef idx="0">
-              <a:schemeClr val="dk1"/>
-            </a:effectRef>
-            <a:fontRef idx="minor">
-              <a:schemeClr val="dk1"/>
-            </a:fontRef>
-          </p:style>
-          <p:txBody>
-            <a:bodyPr rtlCol="0" anchor="ctr"/>
-            <a:lstStyle/>
-            <a:p>
-              <a:pPr algn="ctr"/>
-              <a:endParaRPr lang="en-ZA"/>
-            </a:p>
-          </p:txBody>
-        </p:sp>
-        <p:sp>
-          <p:nvSpPr>
-            <p:cNvPr id="25" name="Rectangle 24">
-              <a:extLst>
-                <a:ext uri="{FF2B5EF4-FFF2-40B4-BE49-F238E27FC236}">
-                  <a16:creationId xmlns:a16="http://schemas.microsoft.com/office/drawing/2014/main" id="{1B4F1973-F24E-451D-B216-45A4F92AA9B5}"/>
-                </a:ext>
-              </a:extLst>
-            </p:cNvPr>
-            <p:cNvSpPr/>
-            <p:nvPr/>
-          </p:nvSpPr>
-          <p:spPr>
-            <a:xfrm>
-              <a:off x="3050482" y="1761050"/>
-              <a:ext cx="291548" cy="306962"/>
-            </a:xfrm>
-            <a:prstGeom prst="rect">
-              <a:avLst/>
-            </a:prstGeom>
-          </p:spPr>
-          <p:style>
-            <a:lnRef idx="2">
-              <a:schemeClr val="dk1"/>
-            </a:lnRef>
-            <a:fillRef idx="1">
-              <a:schemeClr val="lt1"/>
-            </a:fillRef>
-            <a:effectRef idx="0">
-              <a:schemeClr val="dk1"/>
-            </a:effectRef>
-            <a:fontRef idx="minor">
-              <a:schemeClr val="dk1"/>
-            </a:fontRef>
-          </p:style>
-          <p:txBody>
-            <a:bodyPr rtlCol="0" anchor="ctr"/>
-            <a:lstStyle/>
-            <a:p>
-              <a:pPr algn="ctr"/>
-              <a:endParaRPr lang="en-ZA"/>
-            </a:p>
-          </p:txBody>
-        </p:sp>
-        <p:cxnSp>
-          <p:nvCxnSpPr>
-            <p:cNvPr id="9" name="Straight Arrow Connector 8">
-              <a:extLst>
-                <a:ext uri="{FF2B5EF4-FFF2-40B4-BE49-F238E27FC236}">
-                  <a16:creationId xmlns:a16="http://schemas.microsoft.com/office/drawing/2014/main" id="{568537F1-2B90-4765-918E-7C5139B72911}"/>
-                </a:ext>
-              </a:extLst>
-            </p:cNvPr>
-            <p:cNvCxnSpPr>
-              <a:cxnSpLocks/>
-            </p:cNvCxnSpPr>
-            <p:nvPr/>
-          </p:nvCxnSpPr>
-          <p:spPr>
-            <a:xfrm>
-              <a:off x="2279374" y="1616765"/>
-              <a:ext cx="1709530" cy="0"/>
-            </a:xfrm>
-            <a:prstGeom prst="straightConnector1">
-              <a:avLst/>
-            </a:prstGeom>
-            <a:ln>
-              <a:tailEnd type="triangle"/>
-            </a:ln>
-          </p:spPr>
-          <p:style>
-            <a:lnRef idx="1">
-              <a:schemeClr val="dk1"/>
-            </a:lnRef>
-            <a:fillRef idx="0">
-              <a:schemeClr val="dk1"/>
-            </a:fillRef>
-            <a:effectRef idx="0">
-              <a:schemeClr val="dk1"/>
-            </a:effectRef>
-            <a:fontRef idx="minor">
-              <a:schemeClr val="tx1"/>
-            </a:fontRef>
-          </p:style>
-        </p:cxnSp>
-        <p:sp>
-          <p:nvSpPr>
-            <p:cNvPr id="28" name="Rectangle 27">
-              <a:extLst>
-                <a:ext uri="{FF2B5EF4-FFF2-40B4-BE49-F238E27FC236}">
-                  <a16:creationId xmlns:a16="http://schemas.microsoft.com/office/drawing/2014/main" id="{ED6725D1-5C6D-4830-8552-7A7872E6AAE6}"/>
-                </a:ext>
-              </a:extLst>
-            </p:cNvPr>
-            <p:cNvSpPr/>
-            <p:nvPr/>
-          </p:nvSpPr>
-          <p:spPr>
-            <a:xfrm>
-              <a:off x="2561808" y="2194988"/>
-              <a:ext cx="291548" cy="306962"/>
-            </a:xfrm>
-            <a:prstGeom prst="rect">
-              <a:avLst/>
-            </a:prstGeom>
-          </p:spPr>
-          <p:style>
-            <a:lnRef idx="2">
-              <a:schemeClr val="dk1"/>
-            </a:lnRef>
-            <a:fillRef idx="1">
-              <a:schemeClr val="lt1"/>
-            </a:fillRef>
-            <a:effectRef idx="0">
-              <a:schemeClr val="dk1"/>
-            </a:effectRef>
-            <a:fontRef idx="minor">
-              <a:schemeClr val="dk1"/>
-            </a:fontRef>
-          </p:style>
-          <p:txBody>
-            <a:bodyPr rtlCol="0" anchor="ctr"/>
-            <a:lstStyle/>
-            <a:p>
-              <a:pPr algn="ctr"/>
-              <a:endParaRPr lang="en-ZA"/>
-            </a:p>
-          </p:txBody>
-        </p:sp>
-        <p:sp>
-          <p:nvSpPr>
-            <p:cNvPr id="29" name="Rectangle 28">
-              <a:extLst>
-                <a:ext uri="{FF2B5EF4-FFF2-40B4-BE49-F238E27FC236}">
-                  <a16:creationId xmlns:a16="http://schemas.microsoft.com/office/drawing/2014/main" id="{1B47C922-CC67-4EA0-8056-9CC8E0CE231E}"/>
-                </a:ext>
-              </a:extLst>
-            </p:cNvPr>
-            <p:cNvSpPr/>
-            <p:nvPr/>
-          </p:nvSpPr>
-          <p:spPr>
-            <a:xfrm>
-              <a:off x="2376278" y="2398908"/>
-              <a:ext cx="291548" cy="306962"/>
-            </a:xfrm>
-            <a:prstGeom prst="rect">
-              <a:avLst/>
-            </a:prstGeom>
-          </p:spPr>
-          <p:style>
-            <a:lnRef idx="2">
-              <a:schemeClr val="dk1"/>
-            </a:lnRef>
-            <a:fillRef idx="1">
-              <a:schemeClr val="lt1"/>
-            </a:fillRef>
-            <a:effectRef idx="0">
-              <a:schemeClr val="dk1"/>
-            </a:effectRef>
-            <a:fontRef idx="minor">
-              <a:schemeClr val="dk1"/>
-            </a:fontRef>
-          </p:style>
-          <p:txBody>
-            <a:bodyPr rtlCol="0" anchor="ctr"/>
-            <a:lstStyle/>
-            <a:p>
-              <a:pPr algn="ctr"/>
-              <a:endParaRPr lang="en-ZA"/>
-            </a:p>
-          </p:txBody>
-        </p:sp>
-        <p:sp>
-          <p:nvSpPr>
-            <p:cNvPr id="30" name="Rectangle 29">
-              <a:extLst>
-                <a:ext uri="{FF2B5EF4-FFF2-40B4-BE49-F238E27FC236}">
-                  <a16:creationId xmlns:a16="http://schemas.microsoft.com/office/drawing/2014/main" id="{C52ABC15-4D77-494E-936D-53AADFA51FEA}"/>
-                </a:ext>
-              </a:extLst>
-            </p:cNvPr>
-            <p:cNvSpPr/>
-            <p:nvPr/>
-          </p:nvSpPr>
-          <p:spPr>
-            <a:xfrm>
-              <a:off x="3229386" y="2194988"/>
-              <a:ext cx="291548" cy="306962"/>
-            </a:xfrm>
-            <a:prstGeom prst="rect">
-              <a:avLst/>
-            </a:prstGeom>
-          </p:spPr>
-          <p:style>
-            <a:lnRef idx="2">
-              <a:schemeClr val="dk1"/>
-            </a:lnRef>
-            <a:fillRef idx="1">
-              <a:schemeClr val="lt1"/>
-            </a:fillRef>
-            <a:effectRef idx="0">
-              <a:schemeClr val="dk1"/>
-            </a:effectRef>
-            <a:fontRef idx="minor">
-              <a:schemeClr val="dk1"/>
-            </a:fontRef>
-          </p:style>
-          <p:txBody>
-            <a:bodyPr rtlCol="0" anchor="ctr"/>
-            <a:lstStyle/>
-            <a:p>
-              <a:pPr algn="ctr"/>
-              <a:endParaRPr lang="en-ZA"/>
-            </a:p>
-          </p:txBody>
-        </p:sp>
-        <p:sp>
-          <p:nvSpPr>
-            <p:cNvPr id="31" name="Rectangle 30">
-              <a:extLst>
-                <a:ext uri="{FF2B5EF4-FFF2-40B4-BE49-F238E27FC236}">
-                  <a16:creationId xmlns:a16="http://schemas.microsoft.com/office/drawing/2014/main" id="{2B43286A-A1FE-40ED-A168-E90D149DF36C}"/>
-                </a:ext>
-              </a:extLst>
-            </p:cNvPr>
-            <p:cNvSpPr/>
-            <p:nvPr/>
-          </p:nvSpPr>
-          <p:spPr>
-            <a:xfrm>
-              <a:off x="3043856" y="2398908"/>
-              <a:ext cx="291548" cy="306962"/>
-            </a:xfrm>
-            <a:prstGeom prst="rect">
-              <a:avLst/>
-            </a:prstGeom>
-          </p:spPr>
-          <p:style>
-            <a:lnRef idx="2">
-              <a:schemeClr val="dk1"/>
-            </a:lnRef>
-            <a:fillRef idx="1">
-              <a:schemeClr val="lt1"/>
-            </a:fillRef>
-            <a:effectRef idx="0">
-              <a:schemeClr val="dk1"/>
-            </a:effectRef>
-            <a:fontRef idx="minor">
-              <a:schemeClr val="dk1"/>
-            </a:fontRef>
-          </p:style>
-          <p:txBody>
-            <a:bodyPr rtlCol="0" anchor="ctr"/>
-            <a:lstStyle/>
-            <a:p>
-              <a:pPr algn="ctr"/>
-              <a:endParaRPr lang="en-ZA"/>
-            </a:p>
-          </p:txBody>
-        </p:sp>
-        <p:sp>
-          <p:nvSpPr>
-            <p:cNvPr id="33" name="Callout: Bent Line with No Border 32">
-              <a:extLst>
-                <a:ext uri="{FF2B5EF4-FFF2-40B4-BE49-F238E27FC236}">
-                  <a16:creationId xmlns:a16="http://schemas.microsoft.com/office/drawing/2014/main" id="{C372C689-62E0-44DC-A54B-650C28F9FD63}"/>
-                </a:ext>
-              </a:extLst>
-            </p:cNvPr>
-            <p:cNvSpPr/>
-            <p:nvPr/>
-          </p:nvSpPr>
-          <p:spPr>
-            <a:xfrm>
-              <a:off x="1294278" y="1848091"/>
-              <a:ext cx="756122" cy="153481"/>
-            </a:xfrm>
-            <a:prstGeom prst="callout2">
-              <a:avLst>
-                <a:gd name="adj1" fmla="val 45831"/>
-                <a:gd name="adj2" fmla="val 75954"/>
-                <a:gd name="adj3" fmla="val 45831"/>
-                <a:gd name="adj4" fmla="val 100601"/>
-                <a:gd name="adj5" fmla="val 49312"/>
-                <a:gd name="adj6" fmla="val 131067"/>
-              </a:avLst>
-            </a:prstGeom>
-            <a:noFill/>
-            <a:ln>
-              <a:noFill/>
-            </a:ln>
-          </p:spPr>
-          <p:style>
-            <a:lnRef idx="2">
-              <a:schemeClr val="dk1"/>
-            </a:lnRef>
-            <a:fillRef idx="1">
-              <a:schemeClr val="lt1"/>
-            </a:fillRef>
-            <a:effectRef idx="0">
-              <a:schemeClr val="dk1"/>
-            </a:effectRef>
-            <a:fontRef idx="minor">
-              <a:schemeClr val="dk1"/>
-            </a:fontRef>
-          </p:style>
-          <p:txBody>
-            <a:bodyPr rtlCol="0" anchor="ctr"/>
-            <a:lstStyle/>
-            <a:p>
-              <a:pPr algn="ctr"/>
-              <a:r>
-                <a:rPr lang="en-ZA" sz="1100" dirty="0">
-                  <a:solidFill>
-                    <a:schemeClr val="accent5"/>
-                  </a:solidFill>
-                </a:rPr>
-                <a:t>Apples</a:t>
-              </a:r>
-            </a:p>
-          </p:txBody>
-        </p:sp>
-        <p:sp>
-          <p:nvSpPr>
-            <p:cNvPr id="34" name="Callout: Line with No Border 33">
-              <a:extLst>
-                <a:ext uri="{FF2B5EF4-FFF2-40B4-BE49-F238E27FC236}">
-                  <a16:creationId xmlns:a16="http://schemas.microsoft.com/office/drawing/2014/main" id="{5797CB21-D968-40B9-BF1D-93D0398491F3}"/>
-                </a:ext>
-              </a:extLst>
-            </p:cNvPr>
-            <p:cNvSpPr/>
-            <p:nvPr/>
-          </p:nvSpPr>
-          <p:spPr>
-            <a:xfrm>
-              <a:off x="1912456" y="885796"/>
-              <a:ext cx="850622" cy="104118"/>
-            </a:xfrm>
-            <a:prstGeom prst="callout1">
-              <a:avLst>
-                <a:gd name="adj1" fmla="val 43988"/>
-                <a:gd name="adj2" fmla="val 87738"/>
-                <a:gd name="adj3" fmla="val 112500"/>
-                <a:gd name="adj4" fmla="val 101559"/>
-              </a:avLst>
-            </a:prstGeom>
-            <a:noFill/>
-            <a:ln>
-              <a:noFill/>
-            </a:ln>
-          </p:spPr>
-          <p:style>
-            <a:lnRef idx="2">
-              <a:schemeClr val="dk1"/>
-            </a:lnRef>
-            <a:fillRef idx="1">
-              <a:schemeClr val="lt1"/>
-            </a:fillRef>
-            <a:effectRef idx="0">
-              <a:schemeClr val="dk1"/>
-            </a:effectRef>
-            <a:fontRef idx="minor">
-              <a:schemeClr val="dk1"/>
-            </a:fontRef>
-          </p:style>
-          <p:txBody>
-            <a:bodyPr rtlCol="0" anchor="ctr"/>
-            <a:lstStyle/>
-            <a:p>
-              <a:pPr algn="ctr"/>
-              <a:r>
-                <a:rPr lang="en-ZA" sz="1100" dirty="0">
-                  <a:solidFill>
-                    <a:schemeClr val="accent5"/>
-                  </a:solidFill>
-                </a:rPr>
-                <a:t>Greenside</a:t>
-              </a:r>
-            </a:p>
-          </p:txBody>
-        </p:sp>
-        <p:sp>
-          <p:nvSpPr>
-            <p:cNvPr id="35" name="Callout: Line with No Border 34">
-              <a:extLst>
-                <a:ext uri="{FF2B5EF4-FFF2-40B4-BE49-F238E27FC236}">
-                  <a16:creationId xmlns:a16="http://schemas.microsoft.com/office/drawing/2014/main" id="{78EF6469-1B7A-433C-B477-2B5383754F3F}"/>
-                </a:ext>
-              </a:extLst>
-            </p:cNvPr>
-            <p:cNvSpPr/>
-            <p:nvPr/>
-          </p:nvSpPr>
-          <p:spPr>
-            <a:xfrm>
-              <a:off x="4084977" y="1216310"/>
-              <a:ext cx="957169" cy="237614"/>
-            </a:xfrm>
-            <a:prstGeom prst="callout1">
-              <a:avLst>
-                <a:gd name="adj1" fmla="val 47904"/>
-                <a:gd name="adj2" fmla="val 10484"/>
-                <a:gd name="adj3" fmla="val 153315"/>
-                <a:gd name="adj4" fmla="val -62940"/>
-              </a:avLst>
-            </a:prstGeom>
-            <a:noFill/>
-            <a:ln>
-              <a:noFill/>
-            </a:ln>
-          </p:spPr>
-          <p:style>
-            <a:lnRef idx="2">
-              <a:schemeClr val="dk1"/>
-            </a:lnRef>
-            <a:fillRef idx="1">
-              <a:schemeClr val="lt1"/>
-            </a:fillRef>
-            <a:effectRef idx="0">
-              <a:schemeClr val="dk1"/>
-            </a:effectRef>
-            <a:fontRef idx="minor">
-              <a:schemeClr val="dk1"/>
-            </a:fontRef>
-          </p:style>
-          <p:txBody>
-            <a:bodyPr rtlCol="0" anchor="ctr"/>
-            <a:lstStyle/>
-            <a:p>
-              <a:pPr algn="ctr"/>
-              <a:r>
-                <a:rPr lang="en-ZA" sz="1100" dirty="0">
-                  <a:solidFill>
-                    <a:schemeClr val="accent5"/>
-                  </a:solidFill>
-                </a:rPr>
-                <a:t>18/05/2016</a:t>
-              </a:r>
-            </a:p>
-          </p:txBody>
-        </p:sp>
-        <p:sp>
-          <p:nvSpPr>
-            <p:cNvPr id="37" name="Speech Bubble: Rectangle 36">
-              <a:extLst>
-                <a:ext uri="{FF2B5EF4-FFF2-40B4-BE49-F238E27FC236}">
-                  <a16:creationId xmlns:a16="http://schemas.microsoft.com/office/drawing/2014/main" id="{798CB21C-78FC-4ED7-9FA6-285BF90A5F16}"/>
-                </a:ext>
-              </a:extLst>
-            </p:cNvPr>
-            <p:cNvSpPr/>
-            <p:nvPr/>
-          </p:nvSpPr>
-          <p:spPr>
-            <a:xfrm>
-              <a:off x="3911124" y="676563"/>
-              <a:ext cx="1023428" cy="293832"/>
-            </a:xfrm>
-            <a:prstGeom prst="wedgeRectCallout">
-              <a:avLst>
-                <a:gd name="adj1" fmla="val -51969"/>
-                <a:gd name="adj2" fmla="val 109651"/>
-              </a:avLst>
-            </a:prstGeom>
-          </p:spPr>
-          <p:style>
-            <a:lnRef idx="1">
-              <a:schemeClr val="accent3"/>
-            </a:lnRef>
-            <a:fillRef idx="2">
-              <a:schemeClr val="accent3"/>
-            </a:fillRef>
-            <a:effectRef idx="1">
-              <a:schemeClr val="accent3"/>
-            </a:effectRef>
-            <a:fontRef idx="minor">
-              <a:schemeClr val="dk1"/>
-            </a:fontRef>
-          </p:style>
-          <p:txBody>
-            <a:bodyPr rtlCol="0" anchor="ctr"/>
-            <a:lstStyle/>
-            <a:p>
-              <a:pPr algn="ctr"/>
-              <a:r>
-                <a:rPr lang="en-ZA" sz="1100" dirty="0"/>
-                <a:t>Quantity =10</a:t>
-              </a:r>
-            </a:p>
-          </p:txBody>
-        </p:sp>
-      </p:grpSp>
-      <p:cxnSp>
-        <p:nvCxnSpPr>
-          <p:cNvPr id="40" name="Straight Connector 39">
-            <a:extLst>
-              <a:ext uri="{FF2B5EF4-FFF2-40B4-BE49-F238E27FC236}">
-                <a16:creationId xmlns:a16="http://schemas.microsoft.com/office/drawing/2014/main" id="{572D0E84-E545-4F05-90E3-1CD525DCBBA5}"/>
-              </a:ext>
-            </a:extLst>
-          </p:cNvPr>
-          <p:cNvCxnSpPr>
-            <a:stCxn id="33" idx="0"/>
-          </p:cNvCxnSpPr>
-          <p:nvPr/>
-        </p:nvCxnSpPr>
-        <p:spPr>
-          <a:xfrm>
-            <a:off x="2050400" y="1924832"/>
-            <a:ext cx="228974" cy="0"/>
-          </a:xfrm>
-          <a:prstGeom prst="line">
-            <a:avLst/>
-          </a:prstGeom>
-        </p:spPr>
-        <p:style>
-          <a:lnRef idx="1">
-            <a:schemeClr val="dk1"/>
-          </a:lnRef>
-          <a:fillRef idx="0">
-            <a:schemeClr val="dk1"/>
-          </a:fillRef>
-          <a:effectRef idx="0">
-            <a:schemeClr val="dk1"/>
-          </a:effectRef>
-          <a:fontRef idx="minor">
-            <a:schemeClr val="tx1"/>
-          </a:fontRef>
-        </p:style>
-      </p:cxnSp>
-      <p:cxnSp>
-        <p:nvCxnSpPr>
-          <p:cNvPr id="44" name="Straight Connector 43">
-            <a:extLst>
-              <a:ext uri="{FF2B5EF4-FFF2-40B4-BE49-F238E27FC236}">
-                <a16:creationId xmlns:a16="http://schemas.microsoft.com/office/drawing/2014/main" id="{FBAAE2D7-7A93-4428-84A8-32F06E7CCC35}"/>
-              </a:ext>
-            </a:extLst>
-          </p:cNvPr>
-          <p:cNvCxnSpPr>
-            <a:cxnSpLocks/>
-          </p:cNvCxnSpPr>
-          <p:nvPr/>
-        </p:nvCxnSpPr>
-        <p:spPr>
-          <a:xfrm>
-            <a:off x="2612406" y="976109"/>
-            <a:ext cx="287410" cy="161595"/>
-          </a:xfrm>
-          <a:prstGeom prst="line">
-            <a:avLst/>
-          </a:prstGeom>
-        </p:spPr>
-        <p:style>
-          <a:lnRef idx="1">
-            <a:schemeClr val="dk1"/>
-          </a:lnRef>
-          <a:fillRef idx="0">
-            <a:schemeClr val="dk1"/>
-          </a:fillRef>
-          <a:effectRef idx="0">
-            <a:schemeClr val="dk1"/>
-          </a:effectRef>
-          <a:fontRef idx="minor">
-            <a:schemeClr val="tx1"/>
-          </a:fontRef>
-        </p:style>
-      </p:cxnSp>
-      <p:cxnSp>
-        <p:nvCxnSpPr>
-          <p:cNvPr id="54" name="Straight Connector 53">
-            <a:extLst>
-              <a:ext uri="{FF2B5EF4-FFF2-40B4-BE49-F238E27FC236}">
-                <a16:creationId xmlns:a16="http://schemas.microsoft.com/office/drawing/2014/main" id="{EBCDE82D-DE8F-49A8-8E2B-79E358FBB678}"/>
-              </a:ext>
-            </a:extLst>
-          </p:cNvPr>
-          <p:cNvCxnSpPr>
-            <a:cxnSpLocks/>
-          </p:cNvCxnSpPr>
-          <p:nvPr/>
-        </p:nvCxnSpPr>
-        <p:spPr>
-          <a:xfrm flipH="1">
-            <a:off x="3378320" y="1318599"/>
-            <a:ext cx="787001" cy="298927"/>
-          </a:xfrm>
-          <a:prstGeom prst="line">
-            <a:avLst/>
-          </a:prstGeom>
-        </p:spPr>
-        <p:style>
-          <a:lnRef idx="1">
-            <a:schemeClr val="dk1"/>
-          </a:lnRef>
-          <a:fillRef idx="0">
-            <a:schemeClr val="dk1"/>
-          </a:fillRef>
-          <a:effectRef idx="0">
-            <a:schemeClr val="dk1"/>
-          </a:effectRef>
-          <a:fontRef idx="minor">
-            <a:schemeClr val="tx1"/>
-          </a:fontRef>
-        </p:style>
-      </p:cxnSp>
       <p:cxnSp>
         <p:nvCxnSpPr>
           <p:cNvPr id="69" name="Straight Connector 68">
@@ -4971,6 +3810,1304 @@
           </a:fontRef>
         </p:style>
       </p:cxnSp>
+      <p:grpSp>
+        <p:nvGrpSpPr>
+          <p:cNvPr id="2" name="Group 1">
+            <a:extLst>
+              <a:ext uri="{FF2B5EF4-FFF2-40B4-BE49-F238E27FC236}">
+                <a16:creationId xmlns:a16="http://schemas.microsoft.com/office/drawing/2014/main" id="{C03634A7-926D-4F91-88CC-4FD88532A2CC}"/>
+              </a:ext>
+            </a:extLst>
+          </p:cNvPr>
+          <p:cNvGrpSpPr/>
+          <p:nvPr/>
+        </p:nvGrpSpPr>
+        <p:grpSpPr>
+          <a:xfrm>
+            <a:off x="1294278" y="567274"/>
+            <a:ext cx="3747868" cy="2748407"/>
+            <a:chOff x="1294278" y="567274"/>
+            <a:chExt cx="3747868" cy="2748407"/>
+          </a:xfrm>
+        </p:grpSpPr>
+        <p:grpSp>
+          <p:nvGrpSpPr>
+            <p:cNvPr id="38" name="Group 37">
+              <a:extLst>
+                <a:ext uri="{FF2B5EF4-FFF2-40B4-BE49-F238E27FC236}">
+                  <a16:creationId xmlns:a16="http://schemas.microsoft.com/office/drawing/2014/main" id="{16FD08D5-AD25-4816-8007-B72D579530ED}"/>
+                </a:ext>
+              </a:extLst>
+            </p:cNvPr>
+            <p:cNvGrpSpPr/>
+            <p:nvPr/>
+          </p:nvGrpSpPr>
+          <p:grpSpPr>
+            <a:xfrm>
+              <a:off x="1294278" y="567274"/>
+              <a:ext cx="3747868" cy="2748407"/>
+              <a:chOff x="1294278" y="567274"/>
+              <a:chExt cx="3747868" cy="2748407"/>
+            </a:xfrm>
+          </p:grpSpPr>
+          <p:sp>
+            <p:nvSpPr>
+              <p:cNvPr id="32" name="Rectangle 31">
+                <a:extLst>
+                  <a:ext uri="{FF2B5EF4-FFF2-40B4-BE49-F238E27FC236}">
+                    <a16:creationId xmlns:a16="http://schemas.microsoft.com/office/drawing/2014/main" id="{9E5C08E2-A74E-4B4F-BD50-DA982408AD32}"/>
+                  </a:ext>
+                </a:extLst>
+              </p:cNvPr>
+              <p:cNvSpPr/>
+              <p:nvPr/>
+            </p:nvSpPr>
+            <p:spPr>
+              <a:xfrm>
+                <a:off x="3430653" y="2007295"/>
+                <a:ext cx="291548" cy="306962"/>
+              </a:xfrm>
+              <a:prstGeom prst="rect">
+                <a:avLst/>
+              </a:prstGeom>
+            </p:spPr>
+            <p:style>
+              <a:lnRef idx="2">
+                <a:schemeClr val="dk1"/>
+              </a:lnRef>
+              <a:fillRef idx="1">
+                <a:schemeClr val="lt1"/>
+              </a:fillRef>
+              <a:effectRef idx="0">
+                <a:schemeClr val="dk1"/>
+              </a:effectRef>
+              <a:fontRef idx="minor">
+                <a:schemeClr val="dk1"/>
+              </a:fontRef>
+            </p:style>
+            <p:txBody>
+              <a:bodyPr rtlCol="0" anchor="ctr"/>
+              <a:lstStyle/>
+              <a:p>
+                <a:pPr algn="ctr"/>
+                <a:endParaRPr lang="en-ZA"/>
+              </a:p>
+            </p:txBody>
+          </p:sp>
+          <p:cxnSp>
+            <p:nvCxnSpPr>
+              <p:cNvPr id="7" name="Straight Arrow Connector 6">
+                <a:extLst>
+                  <a:ext uri="{FF2B5EF4-FFF2-40B4-BE49-F238E27FC236}">
+                    <a16:creationId xmlns:a16="http://schemas.microsoft.com/office/drawing/2014/main" id="{379B4555-A6CA-4FFD-9A3F-FC9D62BF6218}"/>
+                  </a:ext>
+                </a:extLst>
+              </p:cNvPr>
+              <p:cNvCxnSpPr/>
+              <p:nvPr/>
+            </p:nvCxnSpPr>
+            <p:spPr>
+              <a:xfrm>
+                <a:off x="2279374" y="1616765"/>
+                <a:ext cx="0" cy="1391478"/>
+              </a:xfrm>
+              <a:prstGeom prst="straightConnector1">
+                <a:avLst/>
+              </a:prstGeom>
+              <a:ln>
+                <a:tailEnd type="triangle"/>
+              </a:ln>
+            </p:spPr>
+            <p:style>
+              <a:lnRef idx="1">
+                <a:schemeClr val="dk1"/>
+              </a:lnRef>
+              <a:fillRef idx="0">
+                <a:schemeClr val="dk1"/>
+              </a:fillRef>
+              <a:effectRef idx="0">
+                <a:schemeClr val="dk1"/>
+              </a:effectRef>
+              <a:fontRef idx="minor">
+                <a:schemeClr val="tx1"/>
+              </a:fontRef>
+            </p:style>
+          </p:cxnSp>
+          <p:cxnSp>
+            <p:nvCxnSpPr>
+              <p:cNvPr id="11" name="Straight Arrow Connector 10">
+                <a:extLst>
+                  <a:ext uri="{FF2B5EF4-FFF2-40B4-BE49-F238E27FC236}">
+                    <a16:creationId xmlns:a16="http://schemas.microsoft.com/office/drawing/2014/main" id="{AB249327-8937-4137-9307-9D21398309A4}"/>
+                  </a:ext>
+                </a:extLst>
+              </p:cNvPr>
+              <p:cNvCxnSpPr>
+                <a:cxnSpLocks/>
+              </p:cNvCxnSpPr>
+              <p:nvPr/>
+            </p:nvCxnSpPr>
+            <p:spPr>
+              <a:xfrm flipV="1">
+                <a:off x="2279374" y="848139"/>
+                <a:ext cx="967409" cy="768627"/>
+              </a:xfrm>
+              <a:prstGeom prst="straightConnector1">
+                <a:avLst/>
+              </a:prstGeom>
+              <a:ln>
+                <a:tailEnd type="triangle"/>
+              </a:ln>
+            </p:spPr>
+            <p:style>
+              <a:lnRef idx="1">
+                <a:schemeClr val="dk1"/>
+              </a:lnRef>
+              <a:fillRef idx="0">
+                <a:schemeClr val="dk1"/>
+              </a:fillRef>
+              <a:effectRef idx="0">
+                <a:schemeClr val="dk1"/>
+              </a:effectRef>
+              <a:fontRef idx="minor">
+                <a:schemeClr val="tx1"/>
+              </a:fontRef>
+            </p:style>
+          </p:cxnSp>
+          <p:sp>
+            <p:nvSpPr>
+              <p:cNvPr id="15" name="TextBox 14">
+                <a:extLst>
+                  <a:ext uri="{FF2B5EF4-FFF2-40B4-BE49-F238E27FC236}">
+                    <a16:creationId xmlns:a16="http://schemas.microsoft.com/office/drawing/2014/main" id="{3809C062-F38B-4BFF-B872-C9F1AB6E296E}"/>
+                  </a:ext>
+                </a:extLst>
+              </p:cNvPr>
+              <p:cNvSpPr txBox="1"/>
+              <p:nvPr/>
+            </p:nvSpPr>
+            <p:spPr>
+              <a:xfrm>
+                <a:off x="1912456" y="3007904"/>
+                <a:ext cx="1007165" cy="307777"/>
+              </a:xfrm>
+              <a:prstGeom prst="rect">
+                <a:avLst/>
+              </a:prstGeom>
+              <a:noFill/>
+            </p:spPr>
+            <p:txBody>
+              <a:bodyPr wrap="square" rtlCol="0">
+                <a:spAutoFit/>
+              </a:bodyPr>
+              <a:lstStyle/>
+              <a:p>
+                <a:r>
+                  <a:rPr lang="en-ZA" sz="1400" dirty="0"/>
+                  <a:t>Product</a:t>
+                </a:r>
+              </a:p>
+            </p:txBody>
+          </p:sp>
+          <p:sp>
+            <p:nvSpPr>
+              <p:cNvPr id="16" name="TextBox 15">
+                <a:extLst>
+                  <a:ext uri="{FF2B5EF4-FFF2-40B4-BE49-F238E27FC236}">
+                    <a16:creationId xmlns:a16="http://schemas.microsoft.com/office/drawing/2014/main" id="{9A944F3C-1834-4644-92FD-298032A61E81}"/>
+                  </a:ext>
+                </a:extLst>
+              </p:cNvPr>
+              <p:cNvSpPr txBox="1"/>
+              <p:nvPr/>
+            </p:nvSpPr>
+            <p:spPr>
+              <a:xfrm>
+                <a:off x="3988905" y="1462876"/>
+                <a:ext cx="583096" cy="307777"/>
+              </a:xfrm>
+              <a:prstGeom prst="rect">
+                <a:avLst/>
+              </a:prstGeom>
+              <a:noFill/>
+            </p:spPr>
+            <p:txBody>
+              <a:bodyPr wrap="square" rtlCol="0">
+                <a:spAutoFit/>
+              </a:bodyPr>
+              <a:lstStyle/>
+              <a:p>
+                <a:r>
+                  <a:rPr lang="en-ZA" sz="1400" dirty="0"/>
+                  <a:t>Date</a:t>
+                </a:r>
+              </a:p>
+            </p:txBody>
+          </p:sp>
+          <p:sp>
+            <p:nvSpPr>
+              <p:cNvPr id="17" name="TextBox 16">
+                <a:extLst>
+                  <a:ext uri="{FF2B5EF4-FFF2-40B4-BE49-F238E27FC236}">
+                    <a16:creationId xmlns:a16="http://schemas.microsoft.com/office/drawing/2014/main" id="{A6A085BC-7C35-4253-BEBF-ABFD1D6D065A}"/>
+                  </a:ext>
+                </a:extLst>
+              </p:cNvPr>
+              <p:cNvSpPr txBox="1"/>
+              <p:nvPr/>
+            </p:nvSpPr>
+            <p:spPr>
+              <a:xfrm>
+                <a:off x="2964080" y="567274"/>
+                <a:ext cx="1007165" cy="307777"/>
+              </a:xfrm>
+              <a:prstGeom prst="rect">
+                <a:avLst/>
+              </a:prstGeom>
+              <a:noFill/>
+            </p:spPr>
+            <p:txBody>
+              <a:bodyPr wrap="square" rtlCol="0">
+                <a:spAutoFit/>
+              </a:bodyPr>
+              <a:lstStyle/>
+              <a:p>
+                <a:r>
+                  <a:rPr lang="en-ZA" sz="1400" dirty="0"/>
+                  <a:t>Store</a:t>
+                </a:r>
+              </a:p>
+            </p:txBody>
+          </p:sp>
+          <p:sp>
+            <p:nvSpPr>
+              <p:cNvPr id="18" name="Rectangle 17">
+                <a:extLst>
+                  <a:ext uri="{FF2B5EF4-FFF2-40B4-BE49-F238E27FC236}">
+                    <a16:creationId xmlns:a16="http://schemas.microsoft.com/office/drawing/2014/main" id="{254CF708-1A0D-4548-BF5D-3CAB1EE6DB9B}"/>
+                  </a:ext>
+                </a:extLst>
+              </p:cNvPr>
+              <p:cNvSpPr/>
+              <p:nvPr/>
+            </p:nvSpPr>
+            <p:spPr>
+              <a:xfrm>
+                <a:off x="2955236" y="1147128"/>
+                <a:ext cx="291548" cy="306962"/>
+              </a:xfrm>
+              <a:prstGeom prst="rect">
+                <a:avLst/>
+              </a:prstGeom>
+            </p:spPr>
+            <p:style>
+              <a:lnRef idx="2">
+                <a:schemeClr val="dk1"/>
+              </a:lnRef>
+              <a:fillRef idx="1">
+                <a:schemeClr val="lt1"/>
+              </a:fillRef>
+              <a:effectRef idx="0">
+                <a:schemeClr val="dk1"/>
+              </a:effectRef>
+              <a:fontRef idx="minor">
+                <a:schemeClr val="dk1"/>
+              </a:fontRef>
+            </p:style>
+            <p:txBody>
+              <a:bodyPr rtlCol="0" anchor="ctr"/>
+              <a:lstStyle/>
+              <a:p>
+                <a:pPr algn="ctr"/>
+                <a:endParaRPr lang="en-ZA"/>
+              </a:p>
+            </p:txBody>
+          </p:sp>
+          <p:sp>
+            <p:nvSpPr>
+              <p:cNvPr id="19" name="Rectangle 18">
+                <a:extLst>
+                  <a:ext uri="{FF2B5EF4-FFF2-40B4-BE49-F238E27FC236}">
+                    <a16:creationId xmlns:a16="http://schemas.microsoft.com/office/drawing/2014/main" id="{F1C9EA6C-0380-407B-95DB-233EED6CBE9D}"/>
+                  </a:ext>
+                </a:extLst>
+              </p:cNvPr>
+              <p:cNvSpPr/>
+              <p:nvPr/>
+            </p:nvSpPr>
+            <p:spPr>
+              <a:xfrm>
+                <a:off x="2768047" y="1352129"/>
+                <a:ext cx="291548" cy="306962"/>
+              </a:xfrm>
+              <a:prstGeom prst="rect">
+                <a:avLst/>
+              </a:prstGeom>
+            </p:spPr>
+            <p:style>
+              <a:lnRef idx="2">
+                <a:schemeClr val="dk1"/>
+              </a:lnRef>
+              <a:fillRef idx="1">
+                <a:schemeClr val="lt1"/>
+              </a:fillRef>
+              <a:effectRef idx="0">
+                <a:schemeClr val="dk1"/>
+              </a:effectRef>
+              <a:fontRef idx="minor">
+                <a:schemeClr val="dk1"/>
+              </a:fontRef>
+            </p:style>
+            <p:txBody>
+              <a:bodyPr rtlCol="0" anchor="ctr"/>
+              <a:lstStyle/>
+              <a:p>
+                <a:pPr algn="ctr"/>
+                <a:endParaRPr lang="en-ZA"/>
+              </a:p>
+            </p:txBody>
+          </p:sp>
+          <p:sp>
+            <p:nvSpPr>
+              <p:cNvPr id="20" name="Rectangle 19">
+                <a:extLst>
+                  <a:ext uri="{FF2B5EF4-FFF2-40B4-BE49-F238E27FC236}">
+                    <a16:creationId xmlns:a16="http://schemas.microsoft.com/office/drawing/2014/main" id="{533040CF-8A36-44B8-A6A8-262D24D06411}"/>
+                  </a:ext>
+                </a:extLst>
+              </p:cNvPr>
+              <p:cNvSpPr/>
+              <p:nvPr/>
+            </p:nvSpPr>
+            <p:spPr>
+              <a:xfrm>
+                <a:off x="2577547" y="1557130"/>
+                <a:ext cx="291548" cy="306962"/>
+              </a:xfrm>
+              <a:prstGeom prst="rect">
+                <a:avLst/>
+              </a:prstGeom>
+            </p:spPr>
+            <p:style>
+              <a:lnRef idx="2">
+                <a:schemeClr val="dk1"/>
+              </a:lnRef>
+              <a:fillRef idx="1">
+                <a:schemeClr val="lt1"/>
+              </a:fillRef>
+              <a:effectRef idx="0">
+                <a:schemeClr val="dk1"/>
+              </a:effectRef>
+              <a:fontRef idx="minor">
+                <a:schemeClr val="dk1"/>
+              </a:fontRef>
+            </p:style>
+            <p:txBody>
+              <a:bodyPr rtlCol="0" anchor="ctr"/>
+              <a:lstStyle/>
+              <a:p>
+                <a:pPr algn="ctr"/>
+                <a:endParaRPr lang="en-ZA"/>
+              </a:p>
+            </p:txBody>
+          </p:sp>
+          <p:sp>
+            <p:nvSpPr>
+              <p:cNvPr id="21" name="Rectangle 20">
+                <a:extLst>
+                  <a:ext uri="{FF2B5EF4-FFF2-40B4-BE49-F238E27FC236}">
+                    <a16:creationId xmlns:a16="http://schemas.microsoft.com/office/drawing/2014/main" id="{4FB7753D-9C32-4EC9-AE87-653195B72FBE}"/>
+                  </a:ext>
+                </a:extLst>
+              </p:cNvPr>
+              <p:cNvSpPr/>
+              <p:nvPr/>
+            </p:nvSpPr>
+            <p:spPr>
+              <a:xfrm>
+                <a:off x="2392017" y="1761050"/>
+                <a:ext cx="291548" cy="306962"/>
+              </a:xfrm>
+              <a:prstGeom prst="rect">
+                <a:avLst/>
+              </a:prstGeom>
+            </p:spPr>
+            <p:style>
+              <a:lnRef idx="2">
+                <a:schemeClr val="dk1"/>
+              </a:lnRef>
+              <a:fillRef idx="1">
+                <a:schemeClr val="lt1"/>
+              </a:fillRef>
+              <a:effectRef idx="0">
+                <a:schemeClr val="dk1"/>
+              </a:effectRef>
+              <a:fontRef idx="minor">
+                <a:schemeClr val="dk1"/>
+              </a:fontRef>
+            </p:style>
+            <p:txBody>
+              <a:bodyPr rtlCol="0" anchor="ctr"/>
+              <a:lstStyle/>
+              <a:p>
+                <a:pPr algn="ctr"/>
+                <a:endParaRPr lang="en-ZA"/>
+              </a:p>
+            </p:txBody>
+          </p:sp>
+          <p:sp>
+            <p:nvSpPr>
+              <p:cNvPr id="22" name="Rectangle 21">
+                <a:extLst>
+                  <a:ext uri="{FF2B5EF4-FFF2-40B4-BE49-F238E27FC236}">
+                    <a16:creationId xmlns:a16="http://schemas.microsoft.com/office/drawing/2014/main" id="{5C4A8742-81A0-42CD-928A-692AD1AF752F}"/>
+                  </a:ext>
+                </a:extLst>
+              </p:cNvPr>
+              <p:cNvSpPr/>
+              <p:nvPr/>
+            </p:nvSpPr>
+            <p:spPr>
+              <a:xfrm>
+                <a:off x="3613701" y="1147128"/>
+                <a:ext cx="291548" cy="306962"/>
+              </a:xfrm>
+              <a:prstGeom prst="rect">
+                <a:avLst/>
+              </a:prstGeom>
+            </p:spPr>
+            <p:style>
+              <a:lnRef idx="1">
+                <a:schemeClr val="accent3"/>
+              </a:lnRef>
+              <a:fillRef idx="2">
+                <a:schemeClr val="accent3"/>
+              </a:fillRef>
+              <a:effectRef idx="1">
+                <a:schemeClr val="accent3"/>
+              </a:effectRef>
+              <a:fontRef idx="minor">
+                <a:schemeClr val="dk1"/>
+              </a:fontRef>
+            </p:style>
+            <p:txBody>
+              <a:bodyPr rtlCol="0" anchor="ctr"/>
+              <a:lstStyle/>
+              <a:p>
+                <a:pPr algn="ctr"/>
+                <a:endParaRPr lang="en-ZA"/>
+              </a:p>
+            </p:txBody>
+          </p:sp>
+          <p:sp>
+            <p:nvSpPr>
+              <p:cNvPr id="23" name="Rectangle 22">
+                <a:extLst>
+                  <a:ext uri="{FF2B5EF4-FFF2-40B4-BE49-F238E27FC236}">
+                    <a16:creationId xmlns:a16="http://schemas.microsoft.com/office/drawing/2014/main" id="{F2721C39-0BC2-4222-9E49-6A66669B3F51}"/>
+                  </a:ext>
+                </a:extLst>
+              </p:cNvPr>
+              <p:cNvSpPr/>
+              <p:nvPr/>
+            </p:nvSpPr>
+            <p:spPr>
+              <a:xfrm>
+                <a:off x="3426512" y="1352129"/>
+                <a:ext cx="291548" cy="306962"/>
+              </a:xfrm>
+              <a:prstGeom prst="rect">
+                <a:avLst/>
+              </a:prstGeom>
+            </p:spPr>
+            <p:style>
+              <a:lnRef idx="2">
+                <a:schemeClr val="dk1"/>
+              </a:lnRef>
+              <a:fillRef idx="1">
+                <a:schemeClr val="lt1"/>
+              </a:fillRef>
+              <a:effectRef idx="0">
+                <a:schemeClr val="dk1"/>
+              </a:effectRef>
+              <a:fontRef idx="minor">
+                <a:schemeClr val="dk1"/>
+              </a:fontRef>
+            </p:style>
+            <p:txBody>
+              <a:bodyPr rtlCol="0" anchor="ctr"/>
+              <a:lstStyle/>
+              <a:p>
+                <a:pPr algn="ctr"/>
+                <a:endParaRPr lang="en-ZA"/>
+              </a:p>
+            </p:txBody>
+          </p:sp>
+          <p:sp>
+            <p:nvSpPr>
+              <p:cNvPr id="24" name="Rectangle 23">
+                <a:extLst>
+                  <a:ext uri="{FF2B5EF4-FFF2-40B4-BE49-F238E27FC236}">
+                    <a16:creationId xmlns:a16="http://schemas.microsoft.com/office/drawing/2014/main" id="{ACC86D77-D5C1-4726-ABEB-30C251A2A390}"/>
+                  </a:ext>
+                </a:extLst>
+              </p:cNvPr>
+              <p:cNvSpPr/>
+              <p:nvPr/>
+            </p:nvSpPr>
+            <p:spPr>
+              <a:xfrm>
+                <a:off x="3236012" y="1557130"/>
+                <a:ext cx="291548" cy="306962"/>
+              </a:xfrm>
+              <a:prstGeom prst="rect">
+                <a:avLst/>
+              </a:prstGeom>
+            </p:spPr>
+            <p:style>
+              <a:lnRef idx="2">
+                <a:schemeClr val="dk1"/>
+              </a:lnRef>
+              <a:fillRef idx="1">
+                <a:schemeClr val="lt1"/>
+              </a:fillRef>
+              <a:effectRef idx="0">
+                <a:schemeClr val="dk1"/>
+              </a:effectRef>
+              <a:fontRef idx="minor">
+                <a:schemeClr val="dk1"/>
+              </a:fontRef>
+            </p:style>
+            <p:txBody>
+              <a:bodyPr rtlCol="0" anchor="ctr"/>
+              <a:lstStyle/>
+              <a:p>
+                <a:pPr algn="ctr"/>
+                <a:endParaRPr lang="en-ZA"/>
+              </a:p>
+            </p:txBody>
+          </p:sp>
+          <p:sp>
+            <p:nvSpPr>
+              <p:cNvPr id="25" name="Rectangle 24">
+                <a:extLst>
+                  <a:ext uri="{FF2B5EF4-FFF2-40B4-BE49-F238E27FC236}">
+                    <a16:creationId xmlns:a16="http://schemas.microsoft.com/office/drawing/2014/main" id="{1B4F1973-F24E-451D-B216-45A4F92AA9B5}"/>
+                  </a:ext>
+                </a:extLst>
+              </p:cNvPr>
+              <p:cNvSpPr/>
+              <p:nvPr/>
+            </p:nvSpPr>
+            <p:spPr>
+              <a:xfrm>
+                <a:off x="3050482" y="1761050"/>
+                <a:ext cx="291548" cy="306962"/>
+              </a:xfrm>
+              <a:prstGeom prst="rect">
+                <a:avLst/>
+              </a:prstGeom>
+            </p:spPr>
+            <p:style>
+              <a:lnRef idx="2">
+                <a:schemeClr val="dk1"/>
+              </a:lnRef>
+              <a:fillRef idx="1">
+                <a:schemeClr val="lt1"/>
+              </a:fillRef>
+              <a:effectRef idx="0">
+                <a:schemeClr val="dk1"/>
+              </a:effectRef>
+              <a:fontRef idx="minor">
+                <a:schemeClr val="dk1"/>
+              </a:fontRef>
+            </p:style>
+            <p:txBody>
+              <a:bodyPr rtlCol="0" anchor="ctr"/>
+              <a:lstStyle/>
+              <a:p>
+                <a:pPr algn="ctr"/>
+                <a:endParaRPr lang="en-ZA"/>
+              </a:p>
+            </p:txBody>
+          </p:sp>
+          <p:cxnSp>
+            <p:nvCxnSpPr>
+              <p:cNvPr id="9" name="Straight Arrow Connector 8">
+                <a:extLst>
+                  <a:ext uri="{FF2B5EF4-FFF2-40B4-BE49-F238E27FC236}">
+                    <a16:creationId xmlns:a16="http://schemas.microsoft.com/office/drawing/2014/main" id="{568537F1-2B90-4765-918E-7C5139B72911}"/>
+                  </a:ext>
+                </a:extLst>
+              </p:cNvPr>
+              <p:cNvCxnSpPr>
+                <a:cxnSpLocks/>
+              </p:cNvCxnSpPr>
+              <p:nvPr/>
+            </p:nvCxnSpPr>
+            <p:spPr>
+              <a:xfrm>
+                <a:off x="2279374" y="1616765"/>
+                <a:ext cx="1709530" cy="0"/>
+              </a:xfrm>
+              <a:prstGeom prst="straightConnector1">
+                <a:avLst/>
+              </a:prstGeom>
+              <a:ln>
+                <a:tailEnd type="triangle"/>
+              </a:ln>
+            </p:spPr>
+            <p:style>
+              <a:lnRef idx="1">
+                <a:schemeClr val="dk1"/>
+              </a:lnRef>
+              <a:fillRef idx="0">
+                <a:schemeClr val="dk1"/>
+              </a:fillRef>
+              <a:effectRef idx="0">
+                <a:schemeClr val="dk1"/>
+              </a:effectRef>
+              <a:fontRef idx="minor">
+                <a:schemeClr val="tx1"/>
+              </a:fontRef>
+            </p:style>
+          </p:cxnSp>
+          <p:sp>
+            <p:nvSpPr>
+              <p:cNvPr id="28" name="Rectangle 27">
+                <a:extLst>
+                  <a:ext uri="{FF2B5EF4-FFF2-40B4-BE49-F238E27FC236}">
+                    <a16:creationId xmlns:a16="http://schemas.microsoft.com/office/drawing/2014/main" id="{ED6725D1-5C6D-4830-8552-7A7872E6AAE6}"/>
+                  </a:ext>
+                </a:extLst>
+              </p:cNvPr>
+              <p:cNvSpPr/>
+              <p:nvPr/>
+            </p:nvSpPr>
+            <p:spPr>
+              <a:xfrm>
+                <a:off x="2561808" y="2194988"/>
+                <a:ext cx="291548" cy="306962"/>
+              </a:xfrm>
+              <a:prstGeom prst="rect">
+                <a:avLst/>
+              </a:prstGeom>
+            </p:spPr>
+            <p:style>
+              <a:lnRef idx="2">
+                <a:schemeClr val="dk1"/>
+              </a:lnRef>
+              <a:fillRef idx="1">
+                <a:schemeClr val="lt1"/>
+              </a:fillRef>
+              <a:effectRef idx="0">
+                <a:schemeClr val="dk1"/>
+              </a:effectRef>
+              <a:fontRef idx="minor">
+                <a:schemeClr val="dk1"/>
+              </a:fontRef>
+            </p:style>
+            <p:txBody>
+              <a:bodyPr rtlCol="0" anchor="ctr"/>
+              <a:lstStyle/>
+              <a:p>
+                <a:pPr algn="ctr"/>
+                <a:endParaRPr lang="en-ZA"/>
+              </a:p>
+            </p:txBody>
+          </p:sp>
+          <p:sp>
+            <p:nvSpPr>
+              <p:cNvPr id="29" name="Rectangle 28">
+                <a:extLst>
+                  <a:ext uri="{FF2B5EF4-FFF2-40B4-BE49-F238E27FC236}">
+                    <a16:creationId xmlns:a16="http://schemas.microsoft.com/office/drawing/2014/main" id="{1B47C922-CC67-4EA0-8056-9CC8E0CE231E}"/>
+                  </a:ext>
+                </a:extLst>
+              </p:cNvPr>
+              <p:cNvSpPr/>
+              <p:nvPr/>
+            </p:nvSpPr>
+            <p:spPr>
+              <a:xfrm>
+                <a:off x="2376278" y="2398908"/>
+                <a:ext cx="291548" cy="306962"/>
+              </a:xfrm>
+              <a:prstGeom prst="rect">
+                <a:avLst/>
+              </a:prstGeom>
+            </p:spPr>
+            <p:style>
+              <a:lnRef idx="2">
+                <a:schemeClr val="dk1"/>
+              </a:lnRef>
+              <a:fillRef idx="1">
+                <a:schemeClr val="lt1"/>
+              </a:fillRef>
+              <a:effectRef idx="0">
+                <a:schemeClr val="dk1"/>
+              </a:effectRef>
+              <a:fontRef idx="minor">
+                <a:schemeClr val="dk1"/>
+              </a:fontRef>
+            </p:style>
+            <p:txBody>
+              <a:bodyPr rtlCol="0" anchor="ctr"/>
+              <a:lstStyle/>
+              <a:p>
+                <a:pPr algn="ctr"/>
+                <a:endParaRPr lang="en-ZA"/>
+              </a:p>
+            </p:txBody>
+          </p:sp>
+          <p:sp>
+            <p:nvSpPr>
+              <p:cNvPr id="30" name="Rectangle 29">
+                <a:extLst>
+                  <a:ext uri="{FF2B5EF4-FFF2-40B4-BE49-F238E27FC236}">
+                    <a16:creationId xmlns:a16="http://schemas.microsoft.com/office/drawing/2014/main" id="{C52ABC15-4D77-494E-936D-53AADFA51FEA}"/>
+                  </a:ext>
+                </a:extLst>
+              </p:cNvPr>
+              <p:cNvSpPr/>
+              <p:nvPr/>
+            </p:nvSpPr>
+            <p:spPr>
+              <a:xfrm>
+                <a:off x="3229386" y="2194988"/>
+                <a:ext cx="291548" cy="306962"/>
+              </a:xfrm>
+              <a:prstGeom prst="rect">
+                <a:avLst/>
+              </a:prstGeom>
+            </p:spPr>
+            <p:style>
+              <a:lnRef idx="2">
+                <a:schemeClr val="dk1"/>
+              </a:lnRef>
+              <a:fillRef idx="1">
+                <a:schemeClr val="lt1"/>
+              </a:fillRef>
+              <a:effectRef idx="0">
+                <a:schemeClr val="dk1"/>
+              </a:effectRef>
+              <a:fontRef idx="minor">
+                <a:schemeClr val="dk1"/>
+              </a:fontRef>
+            </p:style>
+            <p:txBody>
+              <a:bodyPr rtlCol="0" anchor="ctr"/>
+              <a:lstStyle/>
+              <a:p>
+                <a:pPr algn="ctr"/>
+                <a:endParaRPr lang="en-ZA"/>
+              </a:p>
+            </p:txBody>
+          </p:sp>
+          <p:sp>
+            <p:nvSpPr>
+              <p:cNvPr id="31" name="Rectangle 30">
+                <a:extLst>
+                  <a:ext uri="{FF2B5EF4-FFF2-40B4-BE49-F238E27FC236}">
+                    <a16:creationId xmlns:a16="http://schemas.microsoft.com/office/drawing/2014/main" id="{2B43286A-A1FE-40ED-A168-E90D149DF36C}"/>
+                  </a:ext>
+                </a:extLst>
+              </p:cNvPr>
+              <p:cNvSpPr/>
+              <p:nvPr/>
+            </p:nvSpPr>
+            <p:spPr>
+              <a:xfrm>
+                <a:off x="3043856" y="2398908"/>
+                <a:ext cx="291548" cy="306962"/>
+              </a:xfrm>
+              <a:prstGeom prst="rect">
+                <a:avLst/>
+              </a:prstGeom>
+            </p:spPr>
+            <p:style>
+              <a:lnRef idx="2">
+                <a:schemeClr val="dk1"/>
+              </a:lnRef>
+              <a:fillRef idx="1">
+                <a:schemeClr val="lt1"/>
+              </a:fillRef>
+              <a:effectRef idx="0">
+                <a:schemeClr val="dk1"/>
+              </a:effectRef>
+              <a:fontRef idx="minor">
+                <a:schemeClr val="dk1"/>
+              </a:fontRef>
+            </p:style>
+            <p:txBody>
+              <a:bodyPr rtlCol="0" anchor="ctr"/>
+              <a:lstStyle/>
+              <a:p>
+                <a:pPr algn="ctr"/>
+                <a:endParaRPr lang="en-ZA"/>
+              </a:p>
+            </p:txBody>
+          </p:sp>
+          <p:sp>
+            <p:nvSpPr>
+              <p:cNvPr id="33" name="Callout: Bent Line with No Border 32">
+                <a:extLst>
+                  <a:ext uri="{FF2B5EF4-FFF2-40B4-BE49-F238E27FC236}">
+                    <a16:creationId xmlns:a16="http://schemas.microsoft.com/office/drawing/2014/main" id="{C372C689-62E0-44DC-A54B-650C28F9FD63}"/>
+                  </a:ext>
+                </a:extLst>
+              </p:cNvPr>
+              <p:cNvSpPr/>
+              <p:nvPr/>
+            </p:nvSpPr>
+            <p:spPr>
+              <a:xfrm>
+                <a:off x="1294278" y="1848091"/>
+                <a:ext cx="756122" cy="153481"/>
+              </a:xfrm>
+              <a:prstGeom prst="callout2">
+                <a:avLst>
+                  <a:gd name="adj1" fmla="val 45831"/>
+                  <a:gd name="adj2" fmla="val 75954"/>
+                  <a:gd name="adj3" fmla="val 45831"/>
+                  <a:gd name="adj4" fmla="val 100601"/>
+                  <a:gd name="adj5" fmla="val 49312"/>
+                  <a:gd name="adj6" fmla="val 131067"/>
+                </a:avLst>
+              </a:prstGeom>
+              <a:noFill/>
+              <a:ln>
+                <a:noFill/>
+              </a:ln>
+            </p:spPr>
+            <p:style>
+              <a:lnRef idx="2">
+                <a:schemeClr val="dk1"/>
+              </a:lnRef>
+              <a:fillRef idx="1">
+                <a:schemeClr val="lt1"/>
+              </a:fillRef>
+              <a:effectRef idx="0">
+                <a:schemeClr val="dk1"/>
+              </a:effectRef>
+              <a:fontRef idx="minor">
+                <a:schemeClr val="dk1"/>
+              </a:fontRef>
+            </p:style>
+            <p:txBody>
+              <a:bodyPr rtlCol="0" anchor="ctr"/>
+              <a:lstStyle/>
+              <a:p>
+                <a:pPr algn="ctr"/>
+                <a:r>
+                  <a:rPr lang="en-ZA" sz="1100" dirty="0">
+                    <a:solidFill>
+                      <a:schemeClr val="accent5"/>
+                    </a:solidFill>
+                  </a:rPr>
+                  <a:t>Apples</a:t>
+                </a:r>
+              </a:p>
+            </p:txBody>
+          </p:sp>
+          <p:sp>
+            <p:nvSpPr>
+              <p:cNvPr id="34" name="Callout: Line with No Border 33">
+                <a:extLst>
+                  <a:ext uri="{FF2B5EF4-FFF2-40B4-BE49-F238E27FC236}">
+                    <a16:creationId xmlns:a16="http://schemas.microsoft.com/office/drawing/2014/main" id="{5797CB21-D968-40B9-BF1D-93D0398491F3}"/>
+                  </a:ext>
+                </a:extLst>
+              </p:cNvPr>
+              <p:cNvSpPr/>
+              <p:nvPr/>
+            </p:nvSpPr>
+            <p:spPr>
+              <a:xfrm>
+                <a:off x="1912456" y="885796"/>
+                <a:ext cx="850622" cy="104118"/>
+              </a:xfrm>
+              <a:prstGeom prst="callout1">
+                <a:avLst>
+                  <a:gd name="adj1" fmla="val 43988"/>
+                  <a:gd name="adj2" fmla="val 87738"/>
+                  <a:gd name="adj3" fmla="val 112500"/>
+                  <a:gd name="adj4" fmla="val 101559"/>
+                </a:avLst>
+              </a:prstGeom>
+              <a:noFill/>
+              <a:ln>
+                <a:noFill/>
+              </a:ln>
+            </p:spPr>
+            <p:style>
+              <a:lnRef idx="2">
+                <a:schemeClr val="dk1"/>
+              </a:lnRef>
+              <a:fillRef idx="1">
+                <a:schemeClr val="lt1"/>
+              </a:fillRef>
+              <a:effectRef idx="0">
+                <a:schemeClr val="dk1"/>
+              </a:effectRef>
+              <a:fontRef idx="minor">
+                <a:schemeClr val="dk1"/>
+              </a:fontRef>
+            </p:style>
+            <p:txBody>
+              <a:bodyPr rtlCol="0" anchor="ctr"/>
+              <a:lstStyle/>
+              <a:p>
+                <a:pPr algn="ctr"/>
+                <a:r>
+                  <a:rPr lang="en-ZA" sz="1100" dirty="0">
+                    <a:solidFill>
+                      <a:schemeClr val="accent5"/>
+                    </a:solidFill>
+                  </a:rPr>
+                  <a:t>Greenside</a:t>
+                </a:r>
+              </a:p>
+            </p:txBody>
+          </p:sp>
+          <p:sp>
+            <p:nvSpPr>
+              <p:cNvPr id="35" name="Callout: Line with No Border 34">
+                <a:extLst>
+                  <a:ext uri="{FF2B5EF4-FFF2-40B4-BE49-F238E27FC236}">
+                    <a16:creationId xmlns:a16="http://schemas.microsoft.com/office/drawing/2014/main" id="{78EF6469-1B7A-433C-B477-2B5383754F3F}"/>
+                  </a:ext>
+                </a:extLst>
+              </p:cNvPr>
+              <p:cNvSpPr/>
+              <p:nvPr/>
+            </p:nvSpPr>
+            <p:spPr>
+              <a:xfrm>
+                <a:off x="4084977" y="1216310"/>
+                <a:ext cx="957169" cy="237614"/>
+              </a:xfrm>
+              <a:prstGeom prst="callout1">
+                <a:avLst>
+                  <a:gd name="adj1" fmla="val 47904"/>
+                  <a:gd name="adj2" fmla="val 10484"/>
+                  <a:gd name="adj3" fmla="val 153315"/>
+                  <a:gd name="adj4" fmla="val -62940"/>
+                </a:avLst>
+              </a:prstGeom>
+              <a:noFill/>
+              <a:ln>
+                <a:noFill/>
+              </a:ln>
+            </p:spPr>
+            <p:style>
+              <a:lnRef idx="2">
+                <a:schemeClr val="dk1"/>
+              </a:lnRef>
+              <a:fillRef idx="1">
+                <a:schemeClr val="lt1"/>
+              </a:fillRef>
+              <a:effectRef idx="0">
+                <a:schemeClr val="dk1"/>
+              </a:effectRef>
+              <a:fontRef idx="minor">
+                <a:schemeClr val="dk1"/>
+              </a:fontRef>
+            </p:style>
+            <p:txBody>
+              <a:bodyPr rtlCol="0" anchor="ctr"/>
+              <a:lstStyle/>
+              <a:p>
+                <a:pPr algn="ctr"/>
+                <a:r>
+                  <a:rPr lang="en-ZA" sz="1100" dirty="0">
+                    <a:solidFill>
+                      <a:schemeClr val="accent5"/>
+                    </a:solidFill>
+                  </a:rPr>
+                  <a:t>18/05/2016</a:t>
+                </a:r>
+              </a:p>
+            </p:txBody>
+          </p:sp>
+          <p:sp>
+            <p:nvSpPr>
+              <p:cNvPr id="37" name="Speech Bubble: Rectangle 36">
+                <a:extLst>
+                  <a:ext uri="{FF2B5EF4-FFF2-40B4-BE49-F238E27FC236}">
+                    <a16:creationId xmlns:a16="http://schemas.microsoft.com/office/drawing/2014/main" id="{798CB21C-78FC-4ED7-9FA6-285BF90A5F16}"/>
+                  </a:ext>
+                </a:extLst>
+              </p:cNvPr>
+              <p:cNvSpPr/>
+              <p:nvPr/>
+            </p:nvSpPr>
+            <p:spPr>
+              <a:xfrm>
+                <a:off x="3911124" y="676563"/>
+                <a:ext cx="1023428" cy="293832"/>
+              </a:xfrm>
+              <a:prstGeom prst="wedgeRectCallout">
+                <a:avLst>
+                  <a:gd name="adj1" fmla="val -51969"/>
+                  <a:gd name="adj2" fmla="val 109651"/>
+                </a:avLst>
+              </a:prstGeom>
+            </p:spPr>
+            <p:style>
+              <a:lnRef idx="1">
+                <a:schemeClr val="accent3"/>
+              </a:lnRef>
+              <a:fillRef idx="2">
+                <a:schemeClr val="accent3"/>
+              </a:fillRef>
+              <a:effectRef idx="1">
+                <a:schemeClr val="accent3"/>
+              </a:effectRef>
+              <a:fontRef idx="minor">
+                <a:schemeClr val="dk1"/>
+              </a:fontRef>
+            </p:style>
+            <p:txBody>
+              <a:bodyPr rtlCol="0" anchor="ctr"/>
+              <a:lstStyle/>
+              <a:p>
+                <a:pPr algn="ctr"/>
+                <a:r>
+                  <a:rPr lang="en-ZA" sz="1100" dirty="0"/>
+                  <a:t>Quantity =10</a:t>
+                </a:r>
+              </a:p>
+            </p:txBody>
+          </p:sp>
+        </p:grpSp>
+        <p:cxnSp>
+          <p:nvCxnSpPr>
+            <p:cNvPr id="40" name="Straight Connector 39">
+              <a:extLst>
+                <a:ext uri="{FF2B5EF4-FFF2-40B4-BE49-F238E27FC236}">
+                  <a16:creationId xmlns:a16="http://schemas.microsoft.com/office/drawing/2014/main" id="{572D0E84-E545-4F05-90E3-1CD525DCBBA5}"/>
+                </a:ext>
+              </a:extLst>
+            </p:cNvPr>
+            <p:cNvCxnSpPr>
+              <a:stCxn id="33" idx="0"/>
+            </p:cNvCxnSpPr>
+            <p:nvPr/>
+          </p:nvCxnSpPr>
+          <p:spPr>
+            <a:xfrm>
+              <a:off x="2050400" y="1924832"/>
+              <a:ext cx="228974" cy="0"/>
+            </a:xfrm>
+            <a:prstGeom prst="line">
+              <a:avLst/>
+            </a:prstGeom>
+          </p:spPr>
+          <p:style>
+            <a:lnRef idx="1">
+              <a:schemeClr val="accent1"/>
+            </a:lnRef>
+            <a:fillRef idx="0">
+              <a:schemeClr val="accent1"/>
+            </a:fillRef>
+            <a:effectRef idx="0">
+              <a:schemeClr val="accent1"/>
+            </a:effectRef>
+            <a:fontRef idx="minor">
+              <a:schemeClr val="tx1"/>
+            </a:fontRef>
+          </p:style>
+        </p:cxnSp>
+        <p:cxnSp>
+          <p:nvCxnSpPr>
+            <p:cNvPr id="44" name="Straight Connector 43">
+              <a:extLst>
+                <a:ext uri="{FF2B5EF4-FFF2-40B4-BE49-F238E27FC236}">
+                  <a16:creationId xmlns:a16="http://schemas.microsoft.com/office/drawing/2014/main" id="{FBAAE2D7-7A93-4428-84A8-32F06E7CCC35}"/>
+                </a:ext>
+              </a:extLst>
+            </p:cNvPr>
+            <p:cNvCxnSpPr>
+              <a:cxnSpLocks/>
+            </p:cNvCxnSpPr>
+            <p:nvPr/>
+          </p:nvCxnSpPr>
+          <p:spPr>
+            <a:xfrm>
+              <a:off x="2612406" y="976109"/>
+              <a:ext cx="287410" cy="161595"/>
+            </a:xfrm>
+            <a:prstGeom prst="line">
+              <a:avLst/>
+            </a:prstGeom>
+          </p:spPr>
+          <p:style>
+            <a:lnRef idx="1">
+              <a:schemeClr val="accent1"/>
+            </a:lnRef>
+            <a:fillRef idx="0">
+              <a:schemeClr val="accent1"/>
+            </a:fillRef>
+            <a:effectRef idx="0">
+              <a:schemeClr val="accent1"/>
+            </a:effectRef>
+            <a:fontRef idx="minor">
+              <a:schemeClr val="tx1"/>
+            </a:fontRef>
+          </p:style>
+        </p:cxnSp>
+        <p:cxnSp>
+          <p:nvCxnSpPr>
+            <p:cNvPr id="54" name="Straight Connector 53">
+              <a:extLst>
+                <a:ext uri="{FF2B5EF4-FFF2-40B4-BE49-F238E27FC236}">
+                  <a16:creationId xmlns:a16="http://schemas.microsoft.com/office/drawing/2014/main" id="{EBCDE82D-DE8F-49A8-8E2B-79E358FBB678}"/>
+                </a:ext>
+              </a:extLst>
+            </p:cNvPr>
+            <p:cNvCxnSpPr>
+              <a:cxnSpLocks/>
+            </p:cNvCxnSpPr>
+            <p:nvPr/>
+          </p:nvCxnSpPr>
+          <p:spPr>
+            <a:xfrm flipH="1">
+              <a:off x="3378320" y="1318599"/>
+              <a:ext cx="787001" cy="298927"/>
+            </a:xfrm>
+            <a:prstGeom prst="line">
+              <a:avLst/>
+            </a:prstGeom>
+          </p:spPr>
+          <p:style>
+            <a:lnRef idx="1">
+              <a:schemeClr val="accent1"/>
+            </a:lnRef>
+            <a:fillRef idx="0">
+              <a:schemeClr val="accent1"/>
+            </a:fillRef>
+            <a:effectRef idx="0">
+              <a:schemeClr val="accent1"/>
+            </a:effectRef>
+            <a:fontRef idx="minor">
+              <a:schemeClr val="tx1"/>
+            </a:fontRef>
+          </p:style>
+        </p:cxnSp>
+        <p:cxnSp>
+          <p:nvCxnSpPr>
+            <p:cNvPr id="39" name="Straight Connector 38">
+              <a:extLst>
+                <a:ext uri="{FF2B5EF4-FFF2-40B4-BE49-F238E27FC236}">
+                  <a16:creationId xmlns:a16="http://schemas.microsoft.com/office/drawing/2014/main" id="{75337F38-3260-4E19-92A7-7D5E6CB2691B}"/>
+                </a:ext>
+              </a:extLst>
+            </p:cNvPr>
+            <p:cNvCxnSpPr>
+              <a:cxnSpLocks/>
+            </p:cNvCxnSpPr>
+            <p:nvPr/>
+          </p:nvCxnSpPr>
+          <p:spPr>
+            <a:xfrm>
+              <a:off x="2358769" y="1183882"/>
+              <a:ext cx="287410" cy="161595"/>
+            </a:xfrm>
+            <a:prstGeom prst="line">
+              <a:avLst/>
+            </a:prstGeom>
+          </p:spPr>
+          <p:style>
+            <a:lnRef idx="1">
+              <a:schemeClr val="dk1"/>
+            </a:lnRef>
+            <a:fillRef idx="0">
+              <a:schemeClr val="dk1"/>
+            </a:fillRef>
+            <a:effectRef idx="0">
+              <a:schemeClr val="dk1"/>
+            </a:effectRef>
+            <a:fontRef idx="minor">
+              <a:schemeClr val="tx1"/>
+            </a:fontRef>
+          </p:style>
+        </p:cxnSp>
+        <p:cxnSp>
+          <p:nvCxnSpPr>
+            <p:cNvPr id="41" name="Straight Connector 40">
+              <a:extLst>
+                <a:ext uri="{FF2B5EF4-FFF2-40B4-BE49-F238E27FC236}">
+                  <a16:creationId xmlns:a16="http://schemas.microsoft.com/office/drawing/2014/main" id="{E05FADAF-5189-4A3D-B795-633B6AEC8BE8}"/>
+                </a:ext>
+              </a:extLst>
+            </p:cNvPr>
+            <p:cNvCxnSpPr>
+              <a:cxnSpLocks/>
+            </p:cNvCxnSpPr>
+            <p:nvPr/>
+          </p:nvCxnSpPr>
+          <p:spPr>
+            <a:xfrm>
+              <a:off x="2115487" y="1362720"/>
+              <a:ext cx="287410" cy="161595"/>
+            </a:xfrm>
+            <a:prstGeom prst="line">
+              <a:avLst/>
+            </a:prstGeom>
+          </p:spPr>
+          <p:style>
+            <a:lnRef idx="1">
+              <a:schemeClr val="dk1"/>
+            </a:lnRef>
+            <a:fillRef idx="0">
+              <a:schemeClr val="dk1"/>
+            </a:fillRef>
+            <a:effectRef idx="0">
+              <a:schemeClr val="dk1"/>
+            </a:effectRef>
+            <a:fontRef idx="minor">
+              <a:schemeClr val="tx1"/>
+            </a:fontRef>
+          </p:style>
+        </p:cxnSp>
+        <p:cxnSp>
+          <p:nvCxnSpPr>
+            <p:cNvPr id="42" name="Straight Connector 41">
+              <a:extLst>
+                <a:ext uri="{FF2B5EF4-FFF2-40B4-BE49-F238E27FC236}">
+                  <a16:creationId xmlns:a16="http://schemas.microsoft.com/office/drawing/2014/main" id="{BF45BC5B-CE93-4391-8AD4-78A874CEB293}"/>
+                </a:ext>
+              </a:extLst>
+            </p:cNvPr>
+            <p:cNvCxnSpPr/>
+            <p:nvPr/>
+          </p:nvCxnSpPr>
+          <p:spPr>
+            <a:xfrm>
+              <a:off x="2050400" y="2552389"/>
+              <a:ext cx="228974" cy="0"/>
+            </a:xfrm>
+            <a:prstGeom prst="line">
+              <a:avLst/>
+            </a:prstGeom>
+          </p:spPr>
+          <p:style>
+            <a:lnRef idx="1">
+              <a:schemeClr val="dk1"/>
+            </a:lnRef>
+            <a:fillRef idx="0">
+              <a:schemeClr val="dk1"/>
+            </a:fillRef>
+            <a:effectRef idx="0">
+              <a:schemeClr val="dk1"/>
+            </a:effectRef>
+            <a:fontRef idx="minor">
+              <a:schemeClr val="tx1"/>
+            </a:fontRef>
+          </p:style>
+        </p:cxnSp>
+      </p:grpSp>
     </p:spTree>
     <p:extLst>
       <p:ext uri="{BB962C8B-B14F-4D97-AF65-F5344CB8AC3E}">

--- a/figures2.pptx
+++ b/figures2.pptx
@@ -6,6 +6,8 @@
   </p:sldMasterIdLst>
   <p:sldIdLst>
     <p:sldId id="256" r:id="rId2"/>
+    <p:sldId id="257" r:id="rId3"/>
+    <p:sldId id="258" r:id="rId4"/>
   </p:sldIdLst>
   <p:sldSz cx="12192000" cy="6858000"/>
   <p:notesSz cx="6858000" cy="9144000"/>
@@ -112,7 +114,7 @@
             <a:srgbClr val="A4A3A4"/>
           </p15:clr>
         </p15:guide>
-        <p15:guide id="2" pos="3863" userDrawn="1">
+        <p15:guide id="2" pos="3885" userDrawn="1">
           <p15:clr>
             <a:srgbClr val="A4A3A4"/>
           </p15:clr>
@@ -5121,6 +5123,540 @@
 </p:sld>
 </file>
 
+<file path=ppt/slides/slide2.xml><?xml version="1.0" encoding="utf-8"?>
+<p:sld xmlns:a="http://schemas.openxmlformats.org/drawingml/2006/main" xmlns:r="http://schemas.openxmlformats.org/officeDocument/2006/relationships" xmlns:p="http://schemas.openxmlformats.org/presentationml/2006/main">
+  <p:cSld>
+    <p:spTree>
+      <p:nvGrpSpPr>
+        <p:cNvPr id="1" name=""/>
+        <p:cNvGrpSpPr/>
+        <p:nvPr/>
+      </p:nvGrpSpPr>
+      <p:grpSpPr>
+        <a:xfrm>
+          <a:off x="0" y="0"/>
+          <a:ext cx="0" cy="0"/>
+          <a:chOff x="0" y="0"/>
+          <a:chExt cx="0" cy="0"/>
+        </a:xfrm>
+      </p:grpSpPr>
+      <p:sp>
+        <p:nvSpPr>
+          <p:cNvPr id="2" name="Title 1">
+            <a:extLst>
+              <a:ext uri="{FF2B5EF4-FFF2-40B4-BE49-F238E27FC236}">
+                <a16:creationId xmlns:a16="http://schemas.microsoft.com/office/drawing/2014/main" id="{BF8B6F5F-D902-406E-A13C-0B30FAB6EAB1}"/>
+              </a:ext>
+            </a:extLst>
+          </p:cNvPr>
+          <p:cNvSpPr>
+            <a:spLocks noGrp="1"/>
+          </p:cNvSpPr>
+          <p:nvPr>
+            <p:ph type="title"/>
+          </p:nvPr>
+        </p:nvSpPr>
+        <p:spPr/>
+        <p:txBody>
+          <a:bodyPr/>
+          <a:lstStyle/>
+          <a:p>
+            <a:endParaRPr lang="en-ZA"/>
+          </a:p>
+        </p:txBody>
+      </p:sp>
+      <p:pic>
+        <p:nvPicPr>
+          <p:cNvPr id="5" name="Content Placeholder 4">
+            <a:extLst>
+              <a:ext uri="{FF2B5EF4-FFF2-40B4-BE49-F238E27FC236}">
+                <a16:creationId xmlns:a16="http://schemas.microsoft.com/office/drawing/2014/main" id="{E3B3CAF5-B2CB-4557-B348-FFD5ECF5C637}"/>
+              </a:ext>
+            </a:extLst>
+          </p:cNvPr>
+          <p:cNvPicPr>
+            <a:picLocks noGrp="1" noChangeAspect="1"/>
+          </p:cNvPicPr>
+          <p:nvPr>
+            <p:ph idx="1"/>
+          </p:nvPr>
+        </p:nvPicPr>
+        <p:blipFill>
+          <a:blip r:embed="rId2">
+            <a:extLst>
+              <a:ext uri="{28A0092B-C50C-407E-A947-70E740481C1C}">
+                <a14:useLocalDpi xmlns:a14="http://schemas.microsoft.com/office/drawing/2010/main" val="0"/>
+              </a:ext>
+            </a:extLst>
+          </a:blip>
+          <a:stretch>
+            <a:fillRect/>
+          </a:stretch>
+        </p:blipFill>
+        <p:spPr>
+          <a:xfrm>
+            <a:off x="5181472" y="3077240"/>
+            <a:ext cx="1829055" cy="1848108"/>
+          </a:xfrm>
+        </p:spPr>
+      </p:pic>
+      <p:cxnSp>
+        <p:nvCxnSpPr>
+          <p:cNvPr id="10" name="Straight Arrow Connector 9">
+            <a:extLst>
+              <a:ext uri="{FF2B5EF4-FFF2-40B4-BE49-F238E27FC236}">
+                <a16:creationId xmlns:a16="http://schemas.microsoft.com/office/drawing/2014/main" id="{DCE17E0C-6864-43B2-B42E-09CA8F870185}"/>
+              </a:ext>
+            </a:extLst>
+          </p:cNvPr>
+          <p:cNvCxnSpPr>
+            <a:cxnSpLocks/>
+          </p:cNvCxnSpPr>
+          <p:nvPr/>
+        </p:nvCxnSpPr>
+        <p:spPr>
+          <a:xfrm flipH="1" flipV="1">
+            <a:off x="5777346" y="4184072"/>
+            <a:ext cx="110837" cy="360218"/>
+          </a:xfrm>
+          <a:prstGeom prst="straightConnector1">
+            <a:avLst/>
+          </a:prstGeom>
+          <a:ln>
+            <a:prstDash val="sysDash"/>
+            <a:tailEnd type="triangle"/>
+          </a:ln>
+        </p:spPr>
+        <p:style>
+          <a:lnRef idx="1">
+            <a:schemeClr val="dk1"/>
+          </a:lnRef>
+          <a:fillRef idx="0">
+            <a:schemeClr val="dk1"/>
+          </a:fillRef>
+          <a:effectRef idx="0">
+            <a:schemeClr val="dk1"/>
+          </a:effectRef>
+          <a:fontRef idx="minor">
+            <a:schemeClr val="tx1"/>
+          </a:fontRef>
+        </p:style>
+      </p:cxnSp>
+    </p:spTree>
+    <p:extLst>
+      <p:ext uri="{BB962C8B-B14F-4D97-AF65-F5344CB8AC3E}">
+        <p14:creationId xmlns:p14="http://schemas.microsoft.com/office/powerpoint/2010/main" val="3051750241"/>
+      </p:ext>
+    </p:extLst>
+  </p:cSld>
+  <p:clrMapOvr>
+    <a:masterClrMapping/>
+  </p:clrMapOvr>
+</p:sld>
+</file>
+
+<file path=ppt/slides/slide3.xml><?xml version="1.0" encoding="utf-8"?>
+<p:sld xmlns:a="http://schemas.openxmlformats.org/drawingml/2006/main" xmlns:r="http://schemas.openxmlformats.org/officeDocument/2006/relationships" xmlns:p="http://schemas.openxmlformats.org/presentationml/2006/main">
+  <p:cSld>
+    <p:spTree>
+      <p:nvGrpSpPr>
+        <p:cNvPr id="1" name=""/>
+        <p:cNvGrpSpPr/>
+        <p:nvPr/>
+      </p:nvGrpSpPr>
+      <p:grpSpPr>
+        <a:xfrm>
+          <a:off x="0" y="0"/>
+          <a:ext cx="0" cy="0"/>
+          <a:chOff x="0" y="0"/>
+          <a:chExt cx="0" cy="0"/>
+        </a:xfrm>
+      </p:grpSpPr>
+      <p:sp>
+        <p:nvSpPr>
+          <p:cNvPr id="2" name="Title 1">
+            <a:extLst>
+              <a:ext uri="{FF2B5EF4-FFF2-40B4-BE49-F238E27FC236}">
+                <a16:creationId xmlns:a16="http://schemas.microsoft.com/office/drawing/2014/main" id="{336A0928-D4CA-47E7-B099-4A36BE94DA8E}"/>
+              </a:ext>
+            </a:extLst>
+          </p:cNvPr>
+          <p:cNvSpPr>
+            <a:spLocks noGrp="1"/>
+          </p:cNvSpPr>
+          <p:nvPr>
+            <p:ph type="title"/>
+          </p:nvPr>
+        </p:nvSpPr>
+        <p:spPr/>
+        <p:txBody>
+          <a:bodyPr/>
+          <a:lstStyle/>
+          <a:p>
+            <a:endParaRPr lang="en-ZA" dirty="0"/>
+          </a:p>
+        </p:txBody>
+      </p:sp>
+      <p:sp>
+        <p:nvSpPr>
+          <p:cNvPr id="3" name="Content Placeholder 2">
+            <a:extLst>
+              <a:ext uri="{FF2B5EF4-FFF2-40B4-BE49-F238E27FC236}">
+                <a16:creationId xmlns:a16="http://schemas.microsoft.com/office/drawing/2014/main" id="{DE400CD0-A72F-49B6-863F-86F155E4AA09}"/>
+              </a:ext>
+            </a:extLst>
+          </p:cNvPr>
+          <p:cNvSpPr>
+            <a:spLocks noGrp="1"/>
+          </p:cNvSpPr>
+          <p:nvPr>
+            <p:ph idx="1"/>
+          </p:nvPr>
+        </p:nvSpPr>
+        <p:spPr/>
+        <p:txBody>
+          <a:bodyPr/>
+          <a:lstStyle/>
+          <a:p>
+            <a:endParaRPr lang="en-ZA" dirty="0"/>
+          </a:p>
+        </p:txBody>
+      </p:sp>
+      <p:pic>
+        <p:nvPicPr>
+          <p:cNvPr id="4" name="Picture 3">
+            <a:extLst>
+              <a:ext uri="{FF2B5EF4-FFF2-40B4-BE49-F238E27FC236}">
+                <a16:creationId xmlns:a16="http://schemas.microsoft.com/office/drawing/2014/main" id="{39B8DCD9-5AD6-47F8-9861-ACD7329FC15E}"/>
+              </a:ext>
+            </a:extLst>
+          </p:cNvPr>
+          <p:cNvPicPr>
+            <a:picLocks noChangeAspect="1"/>
+          </p:cNvPicPr>
+          <p:nvPr/>
+        </p:nvPicPr>
+        <p:blipFill>
+          <a:blip r:embed="rId2"/>
+          <a:stretch>
+            <a:fillRect/>
+          </a:stretch>
+        </p:blipFill>
+        <p:spPr>
+          <a:xfrm>
+            <a:off x="1243163" y="322819"/>
+            <a:ext cx="7276723" cy="4657651"/>
+          </a:xfrm>
+          <a:prstGeom prst="rect">
+            <a:avLst/>
+          </a:prstGeom>
+        </p:spPr>
+      </p:pic>
+      <p:pic>
+        <p:nvPicPr>
+          <p:cNvPr id="5" name="Picture 4">
+            <a:extLst>
+              <a:ext uri="{FF2B5EF4-FFF2-40B4-BE49-F238E27FC236}">
+                <a16:creationId xmlns:a16="http://schemas.microsoft.com/office/drawing/2014/main" id="{EE58FB17-7300-4ACC-A0CF-CE549024AC5A}"/>
+              </a:ext>
+            </a:extLst>
+          </p:cNvPr>
+          <p:cNvPicPr>
+            <a:picLocks noChangeAspect="1"/>
+          </p:cNvPicPr>
+          <p:nvPr/>
+        </p:nvPicPr>
+        <p:blipFill rotWithShape="1">
+          <a:blip r:embed="rId2"/>
+          <a:srcRect l="11055" t="44954" r="66406" b="54064"/>
+          <a:stretch/>
+        </p:blipFill>
+        <p:spPr>
+          <a:xfrm>
+            <a:off x="7721603" y="2438400"/>
+            <a:ext cx="1640112" cy="45719"/>
+          </a:xfrm>
+          <a:prstGeom prst="rect">
+            <a:avLst/>
+          </a:prstGeom>
+        </p:spPr>
+      </p:pic>
+      <p:pic>
+        <p:nvPicPr>
+          <p:cNvPr id="6" name="Picture 5">
+            <a:extLst>
+              <a:ext uri="{FF2B5EF4-FFF2-40B4-BE49-F238E27FC236}">
+                <a16:creationId xmlns:a16="http://schemas.microsoft.com/office/drawing/2014/main" id="{697A1BCA-9594-4712-8898-BB963CDE729F}"/>
+              </a:ext>
+            </a:extLst>
+          </p:cNvPr>
+          <p:cNvPicPr>
+            <a:picLocks noChangeAspect="1"/>
+          </p:cNvPicPr>
+          <p:nvPr/>
+        </p:nvPicPr>
+        <p:blipFill rotWithShape="1">
+          <a:blip r:embed="rId2"/>
+          <a:srcRect l="11055" t="44954" r="66406" b="54064"/>
+          <a:stretch/>
+        </p:blipFill>
+        <p:spPr>
+          <a:xfrm>
+            <a:off x="7721604" y="3435485"/>
+            <a:ext cx="1640112" cy="45719"/>
+          </a:xfrm>
+          <a:prstGeom prst="rect">
+            <a:avLst/>
+          </a:prstGeom>
+        </p:spPr>
+      </p:pic>
+      <p:pic>
+        <p:nvPicPr>
+          <p:cNvPr id="7" name="Picture 6">
+            <a:extLst>
+              <a:ext uri="{FF2B5EF4-FFF2-40B4-BE49-F238E27FC236}">
+                <a16:creationId xmlns:a16="http://schemas.microsoft.com/office/drawing/2014/main" id="{6125A432-8854-42C3-B0C2-51AE5E0D3B13}"/>
+              </a:ext>
+            </a:extLst>
+          </p:cNvPr>
+          <p:cNvPicPr>
+            <a:picLocks noChangeAspect="1"/>
+          </p:cNvPicPr>
+          <p:nvPr/>
+        </p:nvPicPr>
+        <p:blipFill rotWithShape="1">
+          <a:blip r:embed="rId2"/>
+          <a:srcRect l="11055" t="44954" r="66406" b="54064"/>
+          <a:stretch/>
+        </p:blipFill>
+        <p:spPr>
+          <a:xfrm>
+            <a:off x="7665361" y="4409710"/>
+            <a:ext cx="1640112" cy="45719"/>
+          </a:xfrm>
+          <a:prstGeom prst="rect">
+            <a:avLst/>
+          </a:prstGeom>
+        </p:spPr>
+      </p:pic>
+      <p:sp>
+        <p:nvSpPr>
+          <p:cNvPr id="8" name="TextBox 7">
+            <a:extLst>
+              <a:ext uri="{FF2B5EF4-FFF2-40B4-BE49-F238E27FC236}">
+                <a16:creationId xmlns:a16="http://schemas.microsoft.com/office/drawing/2014/main" id="{5CBB8F54-C033-48FF-BC63-88E0A02EC416}"/>
+              </a:ext>
+            </a:extLst>
+          </p:cNvPr>
+          <p:cNvSpPr txBox="1"/>
+          <p:nvPr/>
+        </p:nvSpPr>
+        <p:spPr>
+          <a:xfrm>
+            <a:off x="3011715" y="1919602"/>
+            <a:ext cx="217714" cy="369332"/>
+          </a:xfrm>
+          <a:prstGeom prst="rect">
+            <a:avLst/>
+          </a:prstGeom>
+          <a:noFill/>
+        </p:spPr>
+        <p:txBody>
+          <a:bodyPr wrap="square" rtlCol="0">
+            <a:spAutoFit/>
+          </a:bodyPr>
+          <a:lstStyle/>
+          <a:p>
+            <a:r>
+              <a:rPr lang="en-ZA" b="1" dirty="0">
+                <a:solidFill>
+                  <a:schemeClr val="accent6">
+                    <a:lumMod val="75000"/>
+                  </a:schemeClr>
+                </a:solidFill>
+              </a:rPr>
+              <a:t>A</a:t>
+            </a:r>
+          </a:p>
+        </p:txBody>
+      </p:sp>
+      <p:sp>
+        <p:nvSpPr>
+          <p:cNvPr id="9" name="TextBox 8">
+            <a:extLst>
+              <a:ext uri="{FF2B5EF4-FFF2-40B4-BE49-F238E27FC236}">
+                <a16:creationId xmlns:a16="http://schemas.microsoft.com/office/drawing/2014/main" id="{238D5A90-13ED-4D27-915B-A38FC7D1C3EA}"/>
+              </a:ext>
+            </a:extLst>
+          </p:cNvPr>
+          <p:cNvSpPr txBox="1"/>
+          <p:nvPr/>
+        </p:nvSpPr>
+        <p:spPr>
+          <a:xfrm>
+            <a:off x="6814458" y="1919602"/>
+            <a:ext cx="217714" cy="369332"/>
+          </a:xfrm>
+          <a:prstGeom prst="rect">
+            <a:avLst/>
+          </a:prstGeom>
+          <a:noFill/>
+        </p:spPr>
+        <p:txBody>
+          <a:bodyPr wrap="square" rtlCol="0">
+            <a:spAutoFit/>
+          </a:bodyPr>
+          <a:lstStyle/>
+          <a:p>
+            <a:r>
+              <a:rPr lang="en-ZA" b="1" dirty="0">
+                <a:solidFill>
+                  <a:schemeClr val="accent6">
+                    <a:lumMod val="75000"/>
+                  </a:schemeClr>
+                </a:solidFill>
+              </a:rPr>
+              <a:t>B</a:t>
+            </a:r>
+          </a:p>
+        </p:txBody>
+      </p:sp>
+      <p:sp>
+        <p:nvSpPr>
+          <p:cNvPr id="10" name="TextBox 9">
+            <a:extLst>
+              <a:ext uri="{FF2B5EF4-FFF2-40B4-BE49-F238E27FC236}">
+                <a16:creationId xmlns:a16="http://schemas.microsoft.com/office/drawing/2014/main" id="{EA3192D9-77AF-4A13-91D5-2BA510AA453B}"/>
+              </a:ext>
+            </a:extLst>
+          </p:cNvPr>
+          <p:cNvSpPr txBox="1"/>
+          <p:nvPr/>
+        </p:nvSpPr>
+        <p:spPr>
+          <a:xfrm>
+            <a:off x="4492172" y="2651644"/>
+            <a:ext cx="217714" cy="369332"/>
+          </a:xfrm>
+          <a:prstGeom prst="rect">
+            <a:avLst/>
+          </a:prstGeom>
+          <a:noFill/>
+        </p:spPr>
+        <p:txBody>
+          <a:bodyPr wrap="square" rtlCol="0">
+            <a:spAutoFit/>
+          </a:bodyPr>
+          <a:lstStyle/>
+          <a:p>
+            <a:r>
+              <a:rPr lang="en-ZA" b="1" dirty="0">
+                <a:solidFill>
+                  <a:schemeClr val="accent6">
+                    <a:lumMod val="75000"/>
+                  </a:schemeClr>
+                </a:solidFill>
+              </a:rPr>
+              <a:t>C</a:t>
+            </a:r>
+          </a:p>
+        </p:txBody>
+      </p:sp>
+      <p:sp>
+        <p:nvSpPr>
+          <p:cNvPr id="11" name="TextBox 10">
+            <a:extLst>
+              <a:ext uri="{FF2B5EF4-FFF2-40B4-BE49-F238E27FC236}">
+                <a16:creationId xmlns:a16="http://schemas.microsoft.com/office/drawing/2014/main" id="{5A0773AE-D6EA-457D-9DFE-C0BD3964748B}"/>
+              </a:ext>
+            </a:extLst>
+          </p:cNvPr>
+          <p:cNvSpPr txBox="1"/>
+          <p:nvPr/>
+        </p:nvSpPr>
+        <p:spPr>
+          <a:xfrm>
+            <a:off x="6828972" y="2651644"/>
+            <a:ext cx="217714" cy="369332"/>
+          </a:xfrm>
+          <a:prstGeom prst="rect">
+            <a:avLst/>
+          </a:prstGeom>
+          <a:noFill/>
+        </p:spPr>
+        <p:txBody>
+          <a:bodyPr wrap="square" rtlCol="0">
+            <a:spAutoFit/>
+          </a:bodyPr>
+          <a:lstStyle/>
+          <a:p>
+            <a:r>
+              <a:rPr lang="en-ZA" b="1" dirty="0">
+                <a:solidFill>
+                  <a:schemeClr val="accent6">
+                    <a:lumMod val="75000"/>
+                  </a:schemeClr>
+                </a:solidFill>
+              </a:rPr>
+              <a:t>D</a:t>
+            </a:r>
+          </a:p>
+        </p:txBody>
+      </p:sp>
+      <p:sp>
+        <p:nvSpPr>
+          <p:cNvPr id="12" name="TextBox 11">
+            <a:extLst>
+              <a:ext uri="{FF2B5EF4-FFF2-40B4-BE49-F238E27FC236}">
+                <a16:creationId xmlns:a16="http://schemas.microsoft.com/office/drawing/2014/main" id="{00ED38F4-FF31-43EA-985C-E7086FB2737D}"/>
+              </a:ext>
+            </a:extLst>
+          </p:cNvPr>
+          <p:cNvSpPr txBox="1"/>
+          <p:nvPr/>
+        </p:nvSpPr>
+        <p:spPr>
+          <a:xfrm>
+            <a:off x="3011715" y="3673526"/>
+            <a:ext cx="217714" cy="369332"/>
+          </a:xfrm>
+          <a:prstGeom prst="rect">
+            <a:avLst/>
+          </a:prstGeom>
+          <a:noFill/>
+        </p:spPr>
+        <p:txBody>
+          <a:bodyPr wrap="square" rtlCol="0">
+            <a:spAutoFit/>
+          </a:bodyPr>
+          <a:lstStyle/>
+          <a:p>
+            <a:r>
+              <a:rPr lang="en-ZA" b="1" dirty="0">
+                <a:solidFill>
+                  <a:schemeClr val="accent6">
+                    <a:lumMod val="75000"/>
+                  </a:schemeClr>
+                </a:solidFill>
+              </a:rPr>
+              <a:t>E</a:t>
+            </a:r>
+          </a:p>
+        </p:txBody>
+      </p:sp>
+    </p:spTree>
+    <p:extLst>
+      <p:ext uri="{BB962C8B-B14F-4D97-AF65-F5344CB8AC3E}">
+        <p14:creationId xmlns:p14="http://schemas.microsoft.com/office/powerpoint/2010/main" val="2132079475"/>
+      </p:ext>
+    </p:extLst>
+  </p:cSld>
+  <p:clrMapOvr>
+    <a:masterClrMapping/>
+  </p:clrMapOvr>
+</p:sld>
+</file>
+
 <file path=ppt/theme/theme1.xml><?xml version="1.0" encoding="utf-8"?>
 <a:theme xmlns:a="http://schemas.openxmlformats.org/drawingml/2006/main" name="Office Theme">
   <a:themeElements>
